--- a/lecture-materials/Analytics/aws_lake_formation/aws_lake_formation.pptx
+++ b/lecture-materials/Analytics/aws_lake_formation/aws_lake_formation.pptx
@@ -268,7 +268,7 @@
           <a:p>
             <a:fld id="{322C9020-58D6-4B4B-AE71-CBBD8D6FD410}" type="datetimeFigureOut">
               <a:rPr lang="en-CH" smtClean="0"/>
-              <a:t>10.09.23</a:t>
+              <a:t>19.02.2024</a:t>
             </a:fld>
             <a:endParaRPr lang="en-CH"/>
           </a:p>
@@ -468,7 +468,7 @@
           <a:p>
             <a:fld id="{322C9020-58D6-4B4B-AE71-CBBD8D6FD410}" type="datetimeFigureOut">
               <a:rPr lang="en-CH" smtClean="0"/>
-              <a:t>10.09.23</a:t>
+              <a:t>19.02.2024</a:t>
             </a:fld>
             <a:endParaRPr lang="en-CH"/>
           </a:p>
@@ -678,7 +678,7 @@
           <a:p>
             <a:fld id="{322C9020-58D6-4B4B-AE71-CBBD8D6FD410}" type="datetimeFigureOut">
               <a:rPr lang="en-CH" smtClean="0"/>
-              <a:t>10.09.23</a:t>
+              <a:t>19.02.2024</a:t>
             </a:fld>
             <a:endParaRPr lang="en-CH"/>
           </a:p>
@@ -878,7 +878,7 @@
           <a:p>
             <a:fld id="{322C9020-58D6-4B4B-AE71-CBBD8D6FD410}" type="datetimeFigureOut">
               <a:rPr lang="en-CH" smtClean="0"/>
-              <a:t>10.09.23</a:t>
+              <a:t>19.02.2024</a:t>
             </a:fld>
             <a:endParaRPr lang="en-CH"/>
           </a:p>
@@ -1154,7 +1154,7 @@
           <a:p>
             <a:fld id="{322C9020-58D6-4B4B-AE71-CBBD8D6FD410}" type="datetimeFigureOut">
               <a:rPr lang="en-CH" smtClean="0"/>
-              <a:t>10.09.23</a:t>
+              <a:t>19.02.2024</a:t>
             </a:fld>
             <a:endParaRPr lang="en-CH"/>
           </a:p>
@@ -1422,7 +1422,7 @@
           <a:p>
             <a:fld id="{322C9020-58D6-4B4B-AE71-CBBD8D6FD410}" type="datetimeFigureOut">
               <a:rPr lang="en-CH" smtClean="0"/>
-              <a:t>10.09.23</a:t>
+              <a:t>19.02.2024</a:t>
             </a:fld>
             <a:endParaRPr lang="en-CH"/>
           </a:p>
@@ -1837,7 +1837,7 @@
           <a:p>
             <a:fld id="{322C9020-58D6-4B4B-AE71-CBBD8D6FD410}" type="datetimeFigureOut">
               <a:rPr lang="en-CH" smtClean="0"/>
-              <a:t>10.09.23</a:t>
+              <a:t>19.02.2024</a:t>
             </a:fld>
             <a:endParaRPr lang="en-CH"/>
           </a:p>
@@ -1979,7 +1979,7 @@
           <a:p>
             <a:fld id="{322C9020-58D6-4B4B-AE71-CBBD8D6FD410}" type="datetimeFigureOut">
               <a:rPr lang="en-CH" smtClean="0"/>
-              <a:t>10.09.23</a:t>
+              <a:t>19.02.2024</a:t>
             </a:fld>
             <a:endParaRPr lang="en-CH"/>
           </a:p>
@@ -2092,7 +2092,7 @@
           <a:p>
             <a:fld id="{322C9020-58D6-4B4B-AE71-CBBD8D6FD410}" type="datetimeFigureOut">
               <a:rPr lang="en-CH" smtClean="0"/>
-              <a:t>10.09.23</a:t>
+              <a:t>19.02.2024</a:t>
             </a:fld>
             <a:endParaRPr lang="en-CH"/>
           </a:p>
@@ -2405,7 +2405,7 @@
           <a:p>
             <a:fld id="{322C9020-58D6-4B4B-AE71-CBBD8D6FD410}" type="datetimeFigureOut">
               <a:rPr lang="en-CH" smtClean="0"/>
-              <a:t>10.09.23</a:t>
+              <a:t>19.02.2024</a:t>
             </a:fld>
             <a:endParaRPr lang="en-CH"/>
           </a:p>
@@ -2694,7 +2694,7 @@
           <a:p>
             <a:fld id="{322C9020-58D6-4B4B-AE71-CBBD8D6FD410}" type="datetimeFigureOut">
               <a:rPr lang="en-CH" smtClean="0"/>
-              <a:t>10.09.23</a:t>
+              <a:t>19.02.2024</a:t>
             </a:fld>
             <a:endParaRPr lang="en-CH"/>
           </a:p>
@@ -2937,7 +2937,7 @@
           <a:p>
             <a:fld id="{322C9020-58D6-4B4B-AE71-CBBD8D6FD410}" type="datetimeFigureOut">
               <a:rPr lang="en-CH" smtClean="0"/>
-              <a:t>10.09.23</a:t>
+              <a:t>19.02.2024</a:t>
             </a:fld>
             <a:endParaRPr lang="en-CH"/>
           </a:p>
@@ -8883,8 +8883,8 @@
         </p:nvSpPr>
         <p:spPr>
           <a:xfrm>
-            <a:off x="644056" y="2162767"/>
-            <a:ext cx="4203581" cy="4092428"/>
+            <a:off x="193780" y="2131581"/>
+            <a:ext cx="5341065" cy="4511444"/>
           </a:xfrm>
         </p:spPr>
         <p:txBody>
@@ -8986,7 +8986,25 @@
                 <a:ea typeface="+mn-ea"/>
                 <a:cs typeface="+mn-cs"/>
               </a:rPr>
-              <a:t> is your persistent metadata store. It is a managed service that lets you store, annotate, and share metadata in the AWS Cloud in the same way you would in an Apache Hive </a:t>
+              <a:t> is your persistent metadata store. </a:t>
+            </a:r>
+          </a:p>
+          <a:p>
+            <a:pPr marL="214884" indent="-214884" defTabSz="859536">
+              <a:spcBef>
+                <a:spcPts val="940"/>
+              </a:spcBef>
+            </a:pPr>
+            <a:r>
+              <a:rPr lang="en-GB" sz="1400" kern="1200" dirty="0">
+                <a:solidFill>
+                  <a:srgbClr val="16191F"/>
+                </a:solidFill>
+                <a:latin typeface="Amazon Ember"/>
+                <a:ea typeface="+mn-ea"/>
+                <a:cs typeface="+mn-cs"/>
+              </a:rPr>
+              <a:t>It is a managed service that lets you store, annotate, and share metadata in the AWS Cloud in the same way you would in an Apache Hive </a:t>
             </a:r>
             <a:r>
               <a:rPr lang="en-GB" sz="1400" kern="1200" dirty="0" err="1">
@@ -9008,7 +9026,43 @@
                 <a:ea typeface="+mn-ea"/>
                 <a:cs typeface="+mn-cs"/>
               </a:rPr>
-              <a:t>. It provides a uniform repository where disparate systems can store and find metadata to track data in data silos, and then use that metadata to query and transform the data. Lake Formation uses the AWS Glue Data </a:t>
+              <a:t>. </a:t>
+            </a:r>
+          </a:p>
+          <a:p>
+            <a:pPr marL="214884" indent="-214884" defTabSz="859536">
+              <a:spcBef>
+                <a:spcPts val="940"/>
+              </a:spcBef>
+            </a:pPr>
+            <a:r>
+              <a:rPr lang="en-GB" sz="1400" kern="1200" dirty="0">
+                <a:solidFill>
+                  <a:srgbClr val="16191F"/>
+                </a:solidFill>
+                <a:latin typeface="Amazon Ember"/>
+                <a:ea typeface="+mn-ea"/>
+                <a:cs typeface="+mn-cs"/>
+              </a:rPr>
+              <a:t>It provides a uniform repository where disparate systems can store and find metadata to track data in data silos, and then use that metadata to query and transform the data. </a:t>
+            </a:r>
+          </a:p>
+          <a:p>
+            <a:pPr marL="214884" indent="-214884" defTabSz="859536">
+              <a:spcBef>
+                <a:spcPts val="940"/>
+              </a:spcBef>
+            </a:pPr>
+            <a:r>
+              <a:rPr lang="en-GB" sz="1400" kern="1200" dirty="0">
+                <a:solidFill>
+                  <a:srgbClr val="16191F"/>
+                </a:solidFill>
+                <a:latin typeface="Amazon Ember"/>
+                <a:ea typeface="+mn-ea"/>
+                <a:cs typeface="+mn-cs"/>
+              </a:rPr>
+              <a:t>Lake Formation uses the AWS Glue Data </a:t>
             </a:r>
             <a:r>
               <a:rPr lang="en-GB" sz="1400" kern="1200" dirty="0" err="1">
@@ -9048,7 +9102,61 @@
                 <a:ea typeface="+mn-ea"/>
                 <a:cs typeface="+mn-cs"/>
               </a:rPr>
-              <a:t>Metadata about data sources and targets is in the form of databases and tables. Tables store schema information, location information, and more. Databases are collections of tables. Lake Formation provides a hierarchy of permissions to control access to databases and tables in the Data </a:t>
+              <a:t>Metadata about data sources and targets is in the form of databases and tables. </a:t>
+            </a:r>
+          </a:p>
+          <a:p>
+            <a:pPr marL="214884" indent="-214884" defTabSz="859536">
+              <a:spcBef>
+                <a:spcPts val="940"/>
+              </a:spcBef>
+            </a:pPr>
+            <a:r>
+              <a:rPr lang="en-GB" sz="1400" kern="1200" dirty="0">
+                <a:solidFill>
+                  <a:srgbClr val="16191F"/>
+                </a:solidFill>
+                <a:latin typeface="Amazon Ember"/>
+                <a:ea typeface="+mn-ea"/>
+                <a:cs typeface="+mn-cs"/>
+              </a:rPr>
+              <a:t>Tables store schema information, location information, and more. </a:t>
+            </a:r>
+          </a:p>
+          <a:p>
+            <a:pPr marL="214884" indent="-214884" defTabSz="859536">
+              <a:spcBef>
+                <a:spcPts val="940"/>
+              </a:spcBef>
+            </a:pPr>
+            <a:r>
+              <a:rPr lang="en-GB" sz="1400" kern="1200" dirty="0">
+                <a:solidFill>
+                  <a:srgbClr val="16191F"/>
+                </a:solidFill>
+                <a:latin typeface="Amazon Ember"/>
+                <a:ea typeface="+mn-ea"/>
+                <a:cs typeface="+mn-cs"/>
+              </a:rPr>
+              <a:t>Databases are collections of tables. </a:t>
+            </a:r>
+          </a:p>
+          <a:p>
+            <a:pPr marL="214884" indent="-214884" defTabSz="859536">
+              <a:spcBef>
+                <a:spcPts val="940"/>
+              </a:spcBef>
+            </a:pPr>
+            <a:r>
+              <a:rPr lang="en-GB" sz="1400" kern="1200" dirty="0">
+                <a:solidFill>
+                  <a:srgbClr val="16191F"/>
+                </a:solidFill>
+                <a:latin typeface="Amazon Ember"/>
+                <a:ea typeface="+mn-ea"/>
+                <a:cs typeface="+mn-cs"/>
+              </a:rPr>
+              <a:t>Lake Formation provides a hierarchy of permissions to control access to databases and tables in the Data </a:t>
             </a:r>
             <a:r>
               <a:rPr lang="en-GB" sz="1400" kern="1200" dirty="0" err="1">

--- a/lecture-materials/Analytics/aws_lake_formation/aws_lake_formation.pptx
+++ b/lecture-materials/Analytics/aws_lake_formation/aws_lake_formation.pptx
@@ -8,11 +8,12 @@
     <p:sldId id="256" r:id="rId2"/>
     <p:sldId id="257" r:id="rId3"/>
     <p:sldId id="259" r:id="rId4"/>
-    <p:sldId id="264" r:id="rId5"/>
-    <p:sldId id="261" r:id="rId6"/>
-    <p:sldId id="262" r:id="rId7"/>
-    <p:sldId id="263" r:id="rId8"/>
-    <p:sldId id="258" r:id="rId9"/>
+    <p:sldId id="258" r:id="rId5"/>
+    <p:sldId id="265" r:id="rId6"/>
+    <p:sldId id="261" r:id="rId7"/>
+    <p:sldId id="262" r:id="rId8"/>
+    <p:sldId id="263" r:id="rId9"/>
+    <p:sldId id="264" r:id="rId10"/>
   </p:sldIdLst>
   <p:sldSz cx="12192000" cy="6858000"/>
   <p:notesSz cx="6858000" cy="9144000"/>
@@ -268,7 +269,7 @@
           <a:p>
             <a:fld id="{322C9020-58D6-4B4B-AE71-CBBD8D6FD410}" type="datetimeFigureOut">
               <a:rPr lang="en-CH" smtClean="0"/>
-              <a:t>19.02.2024</a:t>
+              <a:t>21.02.2024</a:t>
             </a:fld>
             <a:endParaRPr lang="en-CH"/>
           </a:p>
@@ -468,7 +469,7 @@
           <a:p>
             <a:fld id="{322C9020-58D6-4B4B-AE71-CBBD8D6FD410}" type="datetimeFigureOut">
               <a:rPr lang="en-CH" smtClean="0"/>
-              <a:t>19.02.2024</a:t>
+              <a:t>21.02.2024</a:t>
             </a:fld>
             <a:endParaRPr lang="en-CH"/>
           </a:p>
@@ -678,7 +679,7 @@
           <a:p>
             <a:fld id="{322C9020-58D6-4B4B-AE71-CBBD8D6FD410}" type="datetimeFigureOut">
               <a:rPr lang="en-CH" smtClean="0"/>
-              <a:t>19.02.2024</a:t>
+              <a:t>21.02.2024</a:t>
             </a:fld>
             <a:endParaRPr lang="en-CH"/>
           </a:p>
@@ -878,7 +879,7 @@
           <a:p>
             <a:fld id="{322C9020-58D6-4B4B-AE71-CBBD8D6FD410}" type="datetimeFigureOut">
               <a:rPr lang="en-CH" smtClean="0"/>
-              <a:t>19.02.2024</a:t>
+              <a:t>21.02.2024</a:t>
             </a:fld>
             <a:endParaRPr lang="en-CH"/>
           </a:p>
@@ -1154,7 +1155,7 @@
           <a:p>
             <a:fld id="{322C9020-58D6-4B4B-AE71-CBBD8D6FD410}" type="datetimeFigureOut">
               <a:rPr lang="en-CH" smtClean="0"/>
-              <a:t>19.02.2024</a:t>
+              <a:t>21.02.2024</a:t>
             </a:fld>
             <a:endParaRPr lang="en-CH"/>
           </a:p>
@@ -1422,7 +1423,7 @@
           <a:p>
             <a:fld id="{322C9020-58D6-4B4B-AE71-CBBD8D6FD410}" type="datetimeFigureOut">
               <a:rPr lang="en-CH" smtClean="0"/>
-              <a:t>19.02.2024</a:t>
+              <a:t>21.02.2024</a:t>
             </a:fld>
             <a:endParaRPr lang="en-CH"/>
           </a:p>
@@ -1837,7 +1838,7 @@
           <a:p>
             <a:fld id="{322C9020-58D6-4B4B-AE71-CBBD8D6FD410}" type="datetimeFigureOut">
               <a:rPr lang="en-CH" smtClean="0"/>
-              <a:t>19.02.2024</a:t>
+              <a:t>21.02.2024</a:t>
             </a:fld>
             <a:endParaRPr lang="en-CH"/>
           </a:p>
@@ -1979,7 +1980,7 @@
           <a:p>
             <a:fld id="{322C9020-58D6-4B4B-AE71-CBBD8D6FD410}" type="datetimeFigureOut">
               <a:rPr lang="en-CH" smtClean="0"/>
-              <a:t>19.02.2024</a:t>
+              <a:t>21.02.2024</a:t>
             </a:fld>
             <a:endParaRPr lang="en-CH"/>
           </a:p>
@@ -2092,7 +2093,7 @@
           <a:p>
             <a:fld id="{322C9020-58D6-4B4B-AE71-CBBD8D6FD410}" type="datetimeFigureOut">
               <a:rPr lang="en-CH" smtClean="0"/>
-              <a:t>19.02.2024</a:t>
+              <a:t>21.02.2024</a:t>
             </a:fld>
             <a:endParaRPr lang="en-CH"/>
           </a:p>
@@ -2405,7 +2406,7 @@
           <a:p>
             <a:fld id="{322C9020-58D6-4B4B-AE71-CBBD8D6FD410}" type="datetimeFigureOut">
               <a:rPr lang="en-CH" smtClean="0"/>
-              <a:t>19.02.2024</a:t>
+              <a:t>21.02.2024</a:t>
             </a:fld>
             <a:endParaRPr lang="en-CH"/>
           </a:p>
@@ -2694,7 +2695,7 @@
           <a:p>
             <a:fld id="{322C9020-58D6-4B4B-AE71-CBBD8D6FD410}" type="datetimeFigureOut">
               <a:rPr lang="en-CH" smtClean="0"/>
-              <a:t>19.02.2024</a:t>
+              <a:t>21.02.2024</a:t>
             </a:fld>
             <a:endParaRPr lang="en-CH"/>
           </a:p>
@@ -2937,7 +2938,7 @@
           <a:p>
             <a:fld id="{322C9020-58D6-4B4B-AE71-CBBD8D6FD410}" type="datetimeFigureOut">
               <a:rPr lang="en-CH" smtClean="0"/>
-              <a:t>19.02.2024</a:t>
+              <a:t>21.02.2024</a:t>
             </a:fld>
             <a:endParaRPr lang="en-CH"/>
           </a:p>
@@ -6102,8 +6103,8 @@
         </p:nvSpPr>
         <p:spPr>
           <a:xfrm>
-            <a:off x="1957987" y="2431765"/>
-            <a:ext cx="8276026" cy="3320031"/>
+            <a:off x="1521981" y="2395432"/>
+            <a:ext cx="9148038" cy="3320031"/>
           </a:xfrm>
         </p:spPr>
         <p:txBody>
@@ -6113,7 +6114,7 @@
           <a:lstStyle/>
           <a:p>
             <a:r>
-              <a:rPr lang="en-GB" sz="2000" b="0" i="0">
+              <a:rPr lang="en-GB" sz="2000" b="1" i="0" dirty="0">
                 <a:solidFill>
                   <a:schemeClr val="tx1">
                     <a:lumMod val="85000"/>
@@ -6128,7 +6129,7 @@
           </a:p>
           <a:p>
             <a:r>
-              <a:rPr lang="en-GB" sz="2000" b="0" i="0">
+              <a:rPr lang="en-GB" sz="2000" b="0" i="0" dirty="0">
                 <a:solidFill>
                   <a:schemeClr val="tx1">
                     <a:lumMod val="85000"/>
@@ -6143,7 +6144,7 @@
           </a:p>
           <a:p>
             <a:r>
-              <a:rPr lang="en-GB" sz="2000" b="0" i="0">
+              <a:rPr lang="en-GB" sz="2000" b="0" i="0" dirty="0">
                 <a:solidFill>
                   <a:schemeClr val="tx1">
                     <a:lumMod val="85000"/>
@@ -6153,12 +6154,38 @@
                 <a:effectLst/>
                 <a:latin typeface="Amazon Ember"/>
               </a:rPr>
-              <a:t>These steps include collecting, cleansing, moving, and cataloging data, and securely making that data available for analytics and machine learning.</a:t>
-            </a:r>
-          </a:p>
-          <a:p>
-            <a:r>
-              <a:rPr lang="en-GB" sz="2000">
+              <a:t>These steps include collecting, cleansing, moving, and </a:t>
+            </a:r>
+            <a:r>
+              <a:rPr lang="en-GB" sz="2000" b="0" i="0" dirty="0" err="1">
+                <a:solidFill>
+                  <a:schemeClr val="tx1">
+                    <a:lumMod val="85000"/>
+                    <a:lumOff val="15000"/>
+                  </a:schemeClr>
+                </a:solidFill>
+                <a:effectLst/>
+                <a:latin typeface="Amazon Ember"/>
+              </a:rPr>
+              <a:t>cataloging</a:t>
+            </a:r>
+            <a:r>
+              <a:rPr lang="en-GB" sz="2000" b="0" i="0" dirty="0">
+                <a:solidFill>
+                  <a:schemeClr val="tx1">
+                    <a:lumMod val="85000"/>
+                    <a:lumOff val="15000"/>
+                  </a:schemeClr>
+                </a:solidFill>
+                <a:effectLst/>
+                <a:latin typeface="Amazon Ember"/>
+              </a:rPr>
+              <a:t> data, and securely making that data available for analytics and machine learning.</a:t>
+            </a:r>
+          </a:p>
+          <a:p>
+            <a:r>
+              <a:rPr lang="en-GB" sz="2000" dirty="0">
                 <a:solidFill>
                   <a:schemeClr val="tx1">
                     <a:lumMod val="85000"/>
@@ -6169,7 +6196,7 @@
               </a:rPr>
               <a:t>Layer on top of AWS Glue</a:t>
             </a:r>
-            <a:endParaRPr lang="en-CH" sz="2000">
+            <a:endParaRPr lang="en-CH" sz="2000" dirty="0">
               <a:solidFill>
                 <a:schemeClr val="tx1">
                   <a:lumMod val="85000"/>
@@ -7453,2178 +7480,6 @@
           <a:chExt cx="0" cy="0"/>
         </a:xfrm>
       </p:grpSpPr>
-      <p:sp>
-        <p:nvSpPr>
-          <p:cNvPr id="3089" name="Rectangle 3088">
-            <a:extLst>
-              <a:ext uri="{FF2B5EF4-FFF2-40B4-BE49-F238E27FC236}">
-                <a16:creationId xmlns:a16="http://schemas.microsoft.com/office/drawing/2014/main" id="{A4AC5506-6312-4701-8D3C-40187889A947}"/>
-              </a:ext>
-              <a:ext uri="{C183D7F6-B498-43B3-948B-1728B52AA6E4}">
-                <adec:decorative xmlns:adec="http://schemas.microsoft.com/office/drawing/2017/decorative" val="1"/>
-              </a:ext>
-            </a:extLst>
-          </p:cNvPr>
-          <p:cNvSpPr>
-            <a:spLocks noGrp="1" noRot="1" noChangeAspect="1" noMove="1" noResize="1" noEditPoints="1" noAdjustHandles="1" noChangeArrowheads="1" noChangeShapeType="1" noTextEdit="1"/>
-          </p:cNvSpPr>
-          <p:nvPr>
-            <p:extLst>
-              <p:ext uri="{386F3935-93C4-4BCD-93E2-E3B085C9AB24}">
-                <p16:designElem xmlns:p16="http://schemas.microsoft.com/office/powerpoint/2015/main" val="1"/>
-              </p:ext>
-            </p:extLst>
-          </p:nvPr>
-        </p:nvSpPr>
-        <p:spPr>
-          <a:xfrm>
-            <a:off x="0" y="651752"/>
-            <a:ext cx="12192000" cy="736551"/>
-          </a:xfrm>
-          <a:prstGeom prst="rect">
-            <a:avLst/>
-          </a:prstGeom>
-          <a:solidFill>
-            <a:schemeClr val="tx1"/>
-          </a:solidFill>
-          <a:ln>
-            <a:noFill/>
-          </a:ln>
-        </p:spPr>
-        <p:style>
-          <a:lnRef idx="2">
-            <a:schemeClr val="accent1">
-              <a:shade val="50000"/>
-            </a:schemeClr>
-          </a:lnRef>
-          <a:fillRef idx="1">
-            <a:schemeClr val="accent1"/>
-          </a:fillRef>
-          <a:effectRef idx="0">
-            <a:schemeClr val="accent1"/>
-          </a:effectRef>
-          <a:fontRef idx="minor">
-            <a:schemeClr val="lt1"/>
-          </a:fontRef>
-        </p:style>
-        <p:txBody>
-          <a:bodyPr rtlCol="0" anchor="ctr"/>
-          <a:lstStyle/>
-          <a:p>
-            <a:pPr algn="ctr"/>
-            <a:endParaRPr lang="en-US"/>
-          </a:p>
-        </p:txBody>
-      </p:sp>
-      <p:sp>
-        <p:nvSpPr>
-          <p:cNvPr id="2" name="Title 1">
-            <a:extLst>
-              <a:ext uri="{FF2B5EF4-FFF2-40B4-BE49-F238E27FC236}">
-                <a16:creationId xmlns:a16="http://schemas.microsoft.com/office/drawing/2014/main" id="{79458699-C334-C630-213E-B0858D83A427}"/>
-              </a:ext>
-            </a:extLst>
-          </p:cNvPr>
-          <p:cNvSpPr>
-            <a:spLocks noGrp="1"/>
-          </p:cNvSpPr>
-          <p:nvPr>
-            <p:ph type="title"/>
-          </p:nvPr>
-        </p:nvSpPr>
-        <p:spPr>
-          <a:xfrm>
-            <a:off x="556532" y="643467"/>
-            <a:ext cx="11210925" cy="744836"/>
-          </a:xfrm>
-        </p:spPr>
-        <p:txBody>
-          <a:bodyPr vert="horz" lIns="91440" tIns="45720" rIns="91440" bIns="45720" rtlCol="0" anchor="ctr">
-            <a:normAutofit/>
-          </a:bodyPr>
-          <a:lstStyle/>
-          <a:p>
-            <a:pPr algn="ctr"/>
-            <a:r>
-              <a:rPr lang="en-US" sz="3200" b="1" i="0" kern="1200" dirty="0">
-                <a:solidFill>
-                  <a:schemeClr val="bg1"/>
-                </a:solidFill>
-                <a:effectLst/>
-                <a:latin typeface="+mj-lt"/>
-                <a:ea typeface="+mj-ea"/>
-                <a:cs typeface="+mj-cs"/>
-              </a:rPr>
-              <a:t>Lake Formation permissions management workflow</a:t>
-            </a:r>
-          </a:p>
-        </p:txBody>
-      </p:sp>
-      <p:pic>
-        <p:nvPicPr>
-          <p:cNvPr id="3074" name="Picture 2" descr="A diagram of a person with a search engine&#10;&#10;Description automatically generated with medium confidence">
-            <a:extLst>
-              <a:ext uri="{FF2B5EF4-FFF2-40B4-BE49-F238E27FC236}">
-                <a16:creationId xmlns:a16="http://schemas.microsoft.com/office/drawing/2014/main" id="{A7DFE136-2077-E8DE-354C-A0EF8DD40C5A}"/>
-              </a:ext>
-            </a:extLst>
-          </p:cNvPr>
-          <p:cNvPicPr>
-            <a:picLocks noGrp="1" noChangeAspect="1" noChangeArrowheads="1"/>
-          </p:cNvPicPr>
-          <p:nvPr>
-            <p:ph idx="1"/>
-          </p:nvPr>
-        </p:nvPicPr>
-        <p:blipFill>
-          <a:blip r:embed="rId2">
-            <a:extLst>
-              <a:ext uri="{28A0092B-C50C-407E-A947-70E740481C1C}">
-                <a14:useLocalDpi xmlns:a14="http://schemas.microsoft.com/office/drawing/2010/main" val="0"/>
-              </a:ext>
-            </a:extLst>
-          </a:blip>
-          <a:stretch>
-            <a:fillRect/>
-          </a:stretch>
-        </p:blipFill>
-        <p:spPr bwMode="auto">
-          <a:xfrm>
-            <a:off x="1542425" y="1675227"/>
-            <a:ext cx="9107149" cy="4394199"/>
-          </a:xfrm>
-          <a:prstGeom prst="rect">
-            <a:avLst/>
-          </a:prstGeom>
-          <a:noFill/>
-          <a:extLst>
-            <a:ext uri="{909E8E84-426E-40DD-AFC4-6F175D3DCCD1}">
-              <a14:hiddenFill xmlns:a14="http://schemas.microsoft.com/office/drawing/2010/main">
-                <a:solidFill>
-                  <a:srgbClr val="FFFFFF"/>
-                </a:solidFill>
-              </a14:hiddenFill>
-            </a:ext>
-          </a:extLst>
-        </p:spPr>
-      </p:pic>
-    </p:spTree>
-    <p:extLst>
-      <p:ext uri="{BB962C8B-B14F-4D97-AF65-F5344CB8AC3E}">
-        <p14:creationId xmlns:p14="http://schemas.microsoft.com/office/powerpoint/2010/main" val="367918959"/>
-      </p:ext>
-    </p:extLst>
-  </p:cSld>
-  <p:clrMapOvr>
-    <a:masterClrMapping/>
-  </p:clrMapOvr>
-</p:sld>
-</file>
-
-<file path=ppt/slides/slide5.xml><?xml version="1.0" encoding="utf-8"?>
-<p:sld xmlns:a="http://schemas.openxmlformats.org/drawingml/2006/main" xmlns:r="http://schemas.openxmlformats.org/officeDocument/2006/relationships" xmlns:p="http://schemas.openxmlformats.org/presentationml/2006/main">
-  <p:cSld>
-    <p:bg>
-      <p:bgPr>
-        <a:solidFill>
-          <a:schemeClr val="bg1"/>
-        </a:solidFill>
-        <a:effectLst/>
-      </p:bgPr>
-    </p:bg>
-    <p:spTree>
-      <p:nvGrpSpPr>
-        <p:cNvPr id="1" name=""/>
-        <p:cNvGrpSpPr/>
-        <p:nvPr/>
-      </p:nvGrpSpPr>
-      <p:grpSpPr>
-        <a:xfrm>
-          <a:off x="0" y="0"/>
-          <a:ext cx="0" cy="0"/>
-          <a:chOff x="0" y="0"/>
-          <a:chExt cx="0" cy="0"/>
-        </a:xfrm>
-      </p:grpSpPr>
-      <p:sp>
-        <p:nvSpPr>
-          <p:cNvPr id="10" name="Rectangle 9">
-            <a:extLst>
-              <a:ext uri="{FF2B5EF4-FFF2-40B4-BE49-F238E27FC236}">
-                <a16:creationId xmlns:a16="http://schemas.microsoft.com/office/drawing/2014/main" id="{4C608BEB-860E-4094-8511-78603564A75E}"/>
-              </a:ext>
-              <a:ext uri="{C183D7F6-B498-43B3-948B-1728B52AA6E4}">
-                <adec:decorative xmlns:adec="http://schemas.microsoft.com/office/drawing/2017/decorative" val="1"/>
-              </a:ext>
-            </a:extLst>
-          </p:cNvPr>
-          <p:cNvSpPr>
-            <a:spLocks noGrp="1" noRot="1" noChangeAspect="1" noMove="1" noResize="1" noEditPoints="1" noAdjustHandles="1" noChangeArrowheads="1" noChangeShapeType="1" noTextEdit="1"/>
-          </p:cNvSpPr>
-          <p:nvPr>
-            <p:extLst>
-              <p:ext uri="{386F3935-93C4-4BCD-93E2-E3B085C9AB24}">
-                <p16:designElem xmlns:p16="http://schemas.microsoft.com/office/powerpoint/2015/main" val="1"/>
-              </p:ext>
-            </p:extLst>
-          </p:nvPr>
-        </p:nvSpPr>
-        <p:spPr>
-          <a:xfrm>
-            <a:off x="0" y="0"/>
-            <a:ext cx="4059050" cy="6858000"/>
-          </a:xfrm>
-          <a:prstGeom prst="rect">
-            <a:avLst/>
-          </a:prstGeom>
-          <a:solidFill>
-            <a:srgbClr val="404040"/>
-          </a:solidFill>
-          <a:ln>
-            <a:noFill/>
-          </a:ln>
-        </p:spPr>
-        <p:style>
-          <a:lnRef idx="2">
-            <a:schemeClr val="accent1">
-              <a:shade val="50000"/>
-            </a:schemeClr>
-          </a:lnRef>
-          <a:fillRef idx="1">
-            <a:schemeClr val="accent1"/>
-          </a:fillRef>
-          <a:effectRef idx="0">
-            <a:schemeClr val="accent1"/>
-          </a:effectRef>
-          <a:fontRef idx="minor">
-            <a:schemeClr val="lt1"/>
-          </a:fontRef>
-        </p:style>
-        <p:txBody>
-          <a:bodyPr rtlCol="0" anchor="ctr"/>
-          <a:lstStyle/>
-          <a:p>
-            <a:pPr marL="0" marR="0" lvl="0" indent="0" algn="ctr" defTabSz="914400" rtl="0" eaLnBrk="1" fontAlgn="auto" latinLnBrk="0" hangingPunct="1">
-              <a:lnSpc>
-                <a:spcPct val="100000"/>
-              </a:lnSpc>
-              <a:spcBef>
-                <a:spcPts val="0"/>
-              </a:spcBef>
-              <a:spcAft>
-                <a:spcPts val="0"/>
-              </a:spcAft>
-              <a:buClrTx/>
-              <a:buSzTx/>
-              <a:buFontTx/>
-              <a:buNone/>
-              <a:tabLst/>
-              <a:defRPr/>
-            </a:pPr>
-            <a:endParaRPr kumimoji="0" lang="en-US" sz="1800" b="0" i="0" u="none" strike="noStrike" kern="1200" cap="none" spc="0" normalizeH="0" baseline="0" noProof="0">
-              <a:ln>
-                <a:noFill/>
-              </a:ln>
-              <a:solidFill>
-                <a:prstClr val="white"/>
-              </a:solidFill>
-              <a:effectLst/>
-              <a:uLnTx/>
-              <a:uFillTx/>
-              <a:latin typeface="Calibri" panose="020F0502020204030204"/>
-              <a:ea typeface="+mn-ea"/>
-              <a:cs typeface="+mn-cs"/>
-            </a:endParaRPr>
-          </a:p>
-        </p:txBody>
-      </p:sp>
-      <p:sp>
-        <p:nvSpPr>
-          <p:cNvPr id="2" name="Title 1">
-            <a:extLst>
-              <a:ext uri="{FF2B5EF4-FFF2-40B4-BE49-F238E27FC236}">
-                <a16:creationId xmlns:a16="http://schemas.microsoft.com/office/drawing/2014/main" id="{78E9A842-121A-2DF1-95E8-EA4FB2926445}"/>
-              </a:ext>
-            </a:extLst>
-          </p:cNvPr>
-          <p:cNvSpPr>
-            <a:spLocks noGrp="1"/>
-          </p:cNvSpPr>
-          <p:nvPr>
-            <p:ph type="title"/>
-          </p:nvPr>
-        </p:nvSpPr>
-        <p:spPr>
-          <a:xfrm>
-            <a:off x="838200" y="1412488"/>
-            <a:ext cx="2899189" cy="4363844"/>
-          </a:xfrm>
-        </p:spPr>
-        <p:txBody>
-          <a:bodyPr vert="horz" lIns="91440" tIns="45720" rIns="91440" bIns="45720" rtlCol="0" anchor="t">
-            <a:normAutofit/>
-          </a:bodyPr>
-          <a:lstStyle/>
-          <a:p>
-            <a:r>
-              <a:rPr lang="en-US" sz="4000" kern="1200">
-                <a:solidFill>
-                  <a:srgbClr val="FFFFFF"/>
-                </a:solidFill>
-                <a:latin typeface="+mj-lt"/>
-                <a:ea typeface="+mj-ea"/>
-                <a:cs typeface="+mj-cs"/>
-              </a:rPr>
-              <a:t>AWS </a:t>
-            </a:r>
-            <a:r>
-              <a:rPr lang="en-US" sz="4000" b="0" i="0" kern="1200">
-                <a:solidFill>
-                  <a:srgbClr val="FFFFFF"/>
-                </a:solidFill>
-                <a:effectLst/>
-                <a:latin typeface="+mj-lt"/>
-                <a:ea typeface="+mj-ea"/>
-                <a:cs typeface="+mj-cs"/>
-              </a:rPr>
-              <a:t>Lake Formation terminology</a:t>
-            </a:r>
-            <a:endParaRPr lang="en-US" sz="4000" kern="1200">
-              <a:solidFill>
-                <a:srgbClr val="FFFFFF"/>
-              </a:solidFill>
-              <a:latin typeface="+mj-lt"/>
-              <a:ea typeface="+mj-ea"/>
-              <a:cs typeface="+mj-cs"/>
-            </a:endParaRPr>
-          </a:p>
-        </p:txBody>
-      </p:sp>
-      <p:sp>
-        <p:nvSpPr>
-          <p:cNvPr id="3" name="Content Placeholder 2">
-            <a:extLst>
-              <a:ext uri="{FF2B5EF4-FFF2-40B4-BE49-F238E27FC236}">
-                <a16:creationId xmlns:a16="http://schemas.microsoft.com/office/drawing/2014/main" id="{C4690575-4A6F-9513-4848-A61F9EBFE405}"/>
-              </a:ext>
-            </a:extLst>
-          </p:cNvPr>
-          <p:cNvSpPr>
-            <a:spLocks noGrp="1"/>
-          </p:cNvSpPr>
-          <p:nvPr>
-            <p:ph idx="1"/>
-          </p:nvPr>
-        </p:nvSpPr>
-        <p:spPr>
-          <a:xfrm>
-            <a:off x="4380855" y="1412489"/>
-            <a:ext cx="3427283" cy="4363844"/>
-          </a:xfrm>
-        </p:spPr>
-        <p:txBody>
-          <a:bodyPr vert="horz" lIns="91440" tIns="45720" rIns="91440" bIns="45720" rtlCol="0">
-            <a:normAutofit/>
-          </a:bodyPr>
-          <a:lstStyle/>
-          <a:p>
-            <a:r>
-              <a:rPr lang="en-US" sz="1700" b="1" i="0" dirty="0">
-                <a:effectLst/>
-                <a:highlight>
-                  <a:srgbClr val="FFFF00"/>
-                </a:highlight>
-              </a:rPr>
-              <a:t>Data lake</a:t>
-            </a:r>
-          </a:p>
-          <a:p>
-            <a:r>
-              <a:rPr lang="en-US" sz="1700" b="0" i="0" dirty="0">
-                <a:effectLst/>
-              </a:rPr>
-              <a:t>The </a:t>
-            </a:r>
-            <a:r>
-              <a:rPr lang="en-US" sz="1700" b="0" i="1" dirty="0">
-                <a:effectLst/>
-              </a:rPr>
-              <a:t>data lake</a:t>
-            </a:r>
-            <a:r>
-              <a:rPr lang="en-US" sz="1700" b="0" i="0" dirty="0">
-                <a:effectLst/>
-              </a:rPr>
-              <a:t> is your persistent data that is stored in Amazon S3 and managed by Lake Formation using a Data Catalog. A data lake typically stores the following:</a:t>
-            </a:r>
-          </a:p>
-          <a:p>
-            <a:r>
-              <a:rPr lang="en-US" sz="1700" b="0" i="0" dirty="0">
-                <a:effectLst/>
-              </a:rPr>
-              <a:t>Structured and unstructured data</a:t>
-            </a:r>
-          </a:p>
-          <a:p>
-            <a:r>
-              <a:rPr lang="en-US" sz="1700" b="0" i="0" dirty="0">
-                <a:effectLst/>
-              </a:rPr>
-              <a:t>Raw data and transformed data</a:t>
-            </a:r>
-          </a:p>
-          <a:p>
-            <a:r>
-              <a:rPr lang="en-US" sz="1700" b="0" i="0" dirty="0">
-                <a:effectLst/>
-              </a:rPr>
-              <a:t>For an Amazon S3 path to be within a data lake, it must be </a:t>
-            </a:r>
-            <a:r>
-              <a:rPr lang="en-US" sz="1700" b="0" i="1" dirty="0">
-                <a:effectLst/>
-              </a:rPr>
-              <a:t>registered</a:t>
-            </a:r>
-            <a:r>
-              <a:rPr lang="en-US" sz="1700" b="0" i="0" dirty="0">
-                <a:effectLst/>
-              </a:rPr>
-              <a:t> with Lake Formation.</a:t>
-            </a:r>
-          </a:p>
-        </p:txBody>
-      </p:sp>
-      <p:cxnSp>
-        <p:nvCxnSpPr>
-          <p:cNvPr id="12" name="Straight Connector 11">
-            <a:extLst>
-              <a:ext uri="{FF2B5EF4-FFF2-40B4-BE49-F238E27FC236}">
-                <a16:creationId xmlns:a16="http://schemas.microsoft.com/office/drawing/2014/main" id="{1F16A8D4-FE87-4604-88B2-394B5D1EB437}"/>
-              </a:ext>
-              <a:ext uri="{C183D7F6-B498-43B3-948B-1728B52AA6E4}">
-                <adec:decorative xmlns:adec="http://schemas.microsoft.com/office/drawing/2017/decorative" val="1"/>
-              </a:ext>
-            </a:extLst>
-          </p:cNvPr>
-          <p:cNvCxnSpPr>
-            <a:cxnSpLocks noGrp="1" noRot="1" noChangeAspect="1" noMove="1" noResize="1" noEditPoints="1" noAdjustHandles="1" noChangeArrowheads="1" noChangeShapeType="1"/>
-          </p:cNvCxnSpPr>
-          <p:nvPr>
-            <p:extLst>
-              <p:ext uri="{386F3935-93C4-4BCD-93E2-E3B085C9AB24}">
-                <p16:designElem xmlns:p16="http://schemas.microsoft.com/office/powerpoint/2015/main" val="1"/>
-              </p:ext>
-            </p:extLst>
-          </p:nvPr>
-        </p:nvCxnSpPr>
-        <p:spPr>
-          <a:xfrm>
-            <a:off x="8129871" y="1412488"/>
-            <a:ext cx="0" cy="3657600"/>
-          </a:xfrm>
-          <a:prstGeom prst="line">
-            <a:avLst/>
-          </a:prstGeom>
-          <a:ln w="12700">
-            <a:solidFill>
-              <a:schemeClr val="tx1">
-                <a:lumMod val="50000"/>
-                <a:lumOff val="50000"/>
-              </a:schemeClr>
-            </a:solidFill>
-          </a:ln>
-        </p:spPr>
-        <p:style>
-          <a:lnRef idx="1">
-            <a:schemeClr val="accent1"/>
-          </a:lnRef>
-          <a:fillRef idx="0">
-            <a:schemeClr val="accent1"/>
-          </a:fillRef>
-          <a:effectRef idx="0">
-            <a:schemeClr val="accent1"/>
-          </a:effectRef>
-          <a:fontRef idx="minor">
-            <a:schemeClr val="tx1"/>
-          </a:fontRef>
-        </p:style>
-      </p:cxnSp>
-      <p:sp>
-        <p:nvSpPr>
-          <p:cNvPr id="5" name="TextBox 4">
-            <a:extLst>
-              <a:ext uri="{FF2B5EF4-FFF2-40B4-BE49-F238E27FC236}">
-                <a16:creationId xmlns:a16="http://schemas.microsoft.com/office/drawing/2014/main" id="{BAC704A9-C769-1C54-B652-F0037EFE7E02}"/>
-              </a:ext>
-            </a:extLst>
-          </p:cNvPr>
-          <p:cNvSpPr txBox="1"/>
-          <p:nvPr/>
-        </p:nvSpPr>
-        <p:spPr>
-          <a:xfrm>
-            <a:off x="8451604" y="1412489"/>
-            <a:ext cx="3197701" cy="4363844"/>
-          </a:xfrm>
-          <a:prstGeom prst="rect">
-            <a:avLst/>
-          </a:prstGeom>
-        </p:spPr>
-        <p:txBody>
-          <a:bodyPr vert="horz" lIns="91440" tIns="45720" rIns="91440" bIns="45720" rtlCol="0">
-            <a:normAutofit/>
-          </a:bodyPr>
-          <a:lstStyle/>
-          <a:p>
-            <a:pPr indent="-228600">
-              <a:lnSpc>
-                <a:spcPct val="90000"/>
-              </a:lnSpc>
-              <a:spcAft>
-                <a:spcPts val="600"/>
-              </a:spcAft>
-              <a:buFont typeface="Arial" panose="020B0604020202020204" pitchFamily="34" charset="0"/>
-              <a:buChar char="•"/>
-            </a:pPr>
-            <a:r>
-              <a:rPr lang="en-US" sz="1600" b="1" i="0" dirty="0">
-                <a:effectLst/>
-                <a:highlight>
-                  <a:srgbClr val="FFFF00"/>
-                </a:highlight>
-              </a:rPr>
-              <a:t>Data access</a:t>
-            </a:r>
-          </a:p>
-          <a:p>
-            <a:pPr indent="-228600">
-              <a:lnSpc>
-                <a:spcPct val="90000"/>
-              </a:lnSpc>
-              <a:spcAft>
-                <a:spcPts val="600"/>
-              </a:spcAft>
-              <a:buFont typeface="Arial" panose="020B0604020202020204" pitchFamily="34" charset="0"/>
-              <a:buChar char="•"/>
-            </a:pPr>
-            <a:r>
-              <a:rPr lang="en-US" sz="1600" b="0" i="0" dirty="0">
-                <a:effectLst/>
-              </a:rPr>
-              <a:t>Lake Formation provides secure and granular access to data through a new grant/revoke permissions model that augments AWS Identity and Access Management (IAM) policies.</a:t>
-            </a:r>
-          </a:p>
-          <a:p>
-            <a:pPr indent="-228600">
-              <a:lnSpc>
-                <a:spcPct val="90000"/>
-              </a:lnSpc>
-              <a:spcAft>
-                <a:spcPts val="600"/>
-              </a:spcAft>
-              <a:buFont typeface="Arial" panose="020B0604020202020204" pitchFamily="34" charset="0"/>
-              <a:buChar char="•"/>
-            </a:pPr>
-            <a:r>
-              <a:rPr lang="en-US" sz="1600" b="0" i="0" dirty="0">
-                <a:effectLst/>
-              </a:rPr>
-              <a:t>Analysts and data scientists can use the full portfolio of AWS analytic and machine learning services, such as Amazon Athena, to access the data. The configured Lake Formation security policies help ensure that users can access only the data that they are authorized to access.</a:t>
-            </a:r>
-          </a:p>
-        </p:txBody>
-      </p:sp>
-    </p:spTree>
-    <p:extLst>
-      <p:ext uri="{BB962C8B-B14F-4D97-AF65-F5344CB8AC3E}">
-        <p14:creationId xmlns:p14="http://schemas.microsoft.com/office/powerpoint/2010/main" val="3668117711"/>
-      </p:ext>
-    </p:extLst>
-  </p:cSld>
-  <p:clrMapOvr>
-    <a:masterClrMapping/>
-  </p:clrMapOvr>
-</p:sld>
-</file>
-
-<file path=ppt/slides/slide6.xml><?xml version="1.0" encoding="utf-8"?>
-<p:sld xmlns:a="http://schemas.openxmlformats.org/drawingml/2006/main" xmlns:r="http://schemas.openxmlformats.org/officeDocument/2006/relationships" xmlns:p="http://schemas.openxmlformats.org/presentationml/2006/main">
-  <p:cSld>
-    <p:bg>
-      <p:bgPr>
-        <a:solidFill>
-          <a:schemeClr val="bg1"/>
-        </a:solidFill>
-        <a:effectLst/>
-      </p:bgPr>
-    </p:bg>
-    <p:spTree>
-      <p:nvGrpSpPr>
-        <p:cNvPr id="1" name=""/>
-        <p:cNvGrpSpPr/>
-        <p:nvPr/>
-      </p:nvGrpSpPr>
-      <p:grpSpPr>
-        <a:xfrm>
-          <a:off x="0" y="0"/>
-          <a:ext cx="0" cy="0"/>
-          <a:chOff x="0" y="0"/>
-          <a:chExt cx="0" cy="0"/>
-        </a:xfrm>
-      </p:grpSpPr>
-      <p:sp>
-        <p:nvSpPr>
-          <p:cNvPr id="10" name="Rectangle 9">
-            <a:extLst>
-              <a:ext uri="{FF2B5EF4-FFF2-40B4-BE49-F238E27FC236}">
-                <a16:creationId xmlns:a16="http://schemas.microsoft.com/office/drawing/2014/main" id="{4C608BEB-860E-4094-8511-78603564A75E}"/>
-              </a:ext>
-              <a:ext uri="{C183D7F6-B498-43B3-948B-1728B52AA6E4}">
-                <adec:decorative xmlns:adec="http://schemas.microsoft.com/office/drawing/2017/decorative" val="1"/>
-              </a:ext>
-            </a:extLst>
-          </p:cNvPr>
-          <p:cNvSpPr>
-            <a:spLocks noGrp="1" noRot="1" noChangeAspect="1" noMove="1" noResize="1" noEditPoints="1" noAdjustHandles="1" noChangeArrowheads="1" noChangeShapeType="1" noTextEdit="1"/>
-          </p:cNvSpPr>
-          <p:nvPr>
-            <p:extLst>
-              <p:ext uri="{386F3935-93C4-4BCD-93E2-E3B085C9AB24}">
-                <p16:designElem xmlns:p16="http://schemas.microsoft.com/office/powerpoint/2015/main" val="1"/>
-              </p:ext>
-            </p:extLst>
-          </p:nvPr>
-        </p:nvSpPr>
-        <p:spPr>
-          <a:xfrm>
-            <a:off x="0" y="0"/>
-            <a:ext cx="4059050" cy="6858000"/>
-          </a:xfrm>
-          <a:prstGeom prst="rect">
-            <a:avLst/>
-          </a:prstGeom>
-          <a:solidFill>
-            <a:srgbClr val="404040"/>
-          </a:solidFill>
-          <a:ln>
-            <a:noFill/>
-          </a:ln>
-        </p:spPr>
-        <p:style>
-          <a:lnRef idx="2">
-            <a:schemeClr val="accent1">
-              <a:shade val="50000"/>
-            </a:schemeClr>
-          </a:lnRef>
-          <a:fillRef idx="1">
-            <a:schemeClr val="accent1"/>
-          </a:fillRef>
-          <a:effectRef idx="0">
-            <a:schemeClr val="accent1"/>
-          </a:effectRef>
-          <a:fontRef idx="minor">
-            <a:schemeClr val="lt1"/>
-          </a:fontRef>
-        </p:style>
-        <p:txBody>
-          <a:bodyPr rtlCol="0" anchor="ctr"/>
-          <a:lstStyle/>
-          <a:p>
-            <a:pPr marL="0" marR="0" lvl="0" indent="0" algn="ctr" defTabSz="914400" rtl="0" eaLnBrk="1" fontAlgn="auto" latinLnBrk="0" hangingPunct="1">
-              <a:lnSpc>
-                <a:spcPct val="100000"/>
-              </a:lnSpc>
-              <a:spcBef>
-                <a:spcPts val="0"/>
-              </a:spcBef>
-              <a:spcAft>
-                <a:spcPts val="0"/>
-              </a:spcAft>
-              <a:buClrTx/>
-              <a:buSzTx/>
-              <a:buFontTx/>
-              <a:buNone/>
-              <a:tabLst/>
-              <a:defRPr/>
-            </a:pPr>
-            <a:endParaRPr kumimoji="0" lang="en-US" sz="1800" b="0" i="0" u="none" strike="noStrike" kern="1200" cap="none" spc="0" normalizeH="0" baseline="0" noProof="0">
-              <a:ln>
-                <a:noFill/>
-              </a:ln>
-              <a:solidFill>
-                <a:prstClr val="white"/>
-              </a:solidFill>
-              <a:effectLst/>
-              <a:uLnTx/>
-              <a:uFillTx/>
-              <a:latin typeface="Calibri" panose="020F0502020204030204"/>
-              <a:ea typeface="+mn-ea"/>
-              <a:cs typeface="+mn-cs"/>
-            </a:endParaRPr>
-          </a:p>
-        </p:txBody>
-      </p:sp>
-      <p:sp>
-        <p:nvSpPr>
-          <p:cNvPr id="2" name="Title 1">
-            <a:extLst>
-              <a:ext uri="{FF2B5EF4-FFF2-40B4-BE49-F238E27FC236}">
-                <a16:creationId xmlns:a16="http://schemas.microsoft.com/office/drawing/2014/main" id="{78E9A842-121A-2DF1-95E8-EA4FB2926445}"/>
-              </a:ext>
-            </a:extLst>
-          </p:cNvPr>
-          <p:cNvSpPr>
-            <a:spLocks noGrp="1"/>
-          </p:cNvSpPr>
-          <p:nvPr>
-            <p:ph type="title"/>
-          </p:nvPr>
-        </p:nvSpPr>
-        <p:spPr>
-          <a:xfrm>
-            <a:off x="838200" y="1412488"/>
-            <a:ext cx="2899189" cy="4363844"/>
-          </a:xfrm>
-        </p:spPr>
-        <p:txBody>
-          <a:bodyPr vert="horz" lIns="91440" tIns="45720" rIns="91440" bIns="45720" rtlCol="0" anchor="t">
-            <a:normAutofit/>
-          </a:bodyPr>
-          <a:lstStyle/>
-          <a:p>
-            <a:r>
-              <a:rPr lang="en-US" sz="4000" kern="1200">
-                <a:solidFill>
-                  <a:srgbClr val="FFFFFF"/>
-                </a:solidFill>
-                <a:latin typeface="+mj-lt"/>
-                <a:ea typeface="+mj-ea"/>
-                <a:cs typeface="+mj-cs"/>
-              </a:rPr>
-              <a:t>AWS </a:t>
-            </a:r>
-            <a:r>
-              <a:rPr lang="en-US" sz="4000" b="0" i="0" kern="1200">
-                <a:solidFill>
-                  <a:srgbClr val="FFFFFF"/>
-                </a:solidFill>
-                <a:effectLst/>
-                <a:latin typeface="+mj-lt"/>
-                <a:ea typeface="+mj-ea"/>
-                <a:cs typeface="+mj-cs"/>
-              </a:rPr>
-              <a:t>Lake Formation terminology</a:t>
-            </a:r>
-            <a:endParaRPr lang="en-US" sz="4000" kern="1200">
-              <a:solidFill>
-                <a:srgbClr val="FFFFFF"/>
-              </a:solidFill>
-              <a:latin typeface="+mj-lt"/>
-              <a:ea typeface="+mj-ea"/>
-              <a:cs typeface="+mj-cs"/>
-            </a:endParaRPr>
-          </a:p>
-        </p:txBody>
-      </p:sp>
-      <p:sp>
-        <p:nvSpPr>
-          <p:cNvPr id="3" name="Content Placeholder 2">
-            <a:extLst>
-              <a:ext uri="{FF2B5EF4-FFF2-40B4-BE49-F238E27FC236}">
-                <a16:creationId xmlns:a16="http://schemas.microsoft.com/office/drawing/2014/main" id="{C4690575-4A6F-9513-4848-A61F9EBFE405}"/>
-              </a:ext>
-            </a:extLst>
-          </p:cNvPr>
-          <p:cNvSpPr>
-            <a:spLocks noGrp="1"/>
-          </p:cNvSpPr>
-          <p:nvPr>
-            <p:ph idx="1"/>
-          </p:nvPr>
-        </p:nvSpPr>
-        <p:spPr>
-          <a:xfrm>
-            <a:off x="4380855" y="1412489"/>
-            <a:ext cx="3427283" cy="4363844"/>
-          </a:xfrm>
-        </p:spPr>
-        <p:txBody>
-          <a:bodyPr vert="horz" lIns="91440" tIns="45720" rIns="91440" bIns="45720" rtlCol="0">
-            <a:normAutofit/>
-          </a:bodyPr>
-          <a:lstStyle/>
-          <a:p>
-            <a:r>
-              <a:rPr lang="en-US" sz="2000" b="1" i="0" dirty="0">
-                <a:effectLst/>
-                <a:highlight>
-                  <a:srgbClr val="FFFF00"/>
-                </a:highlight>
-              </a:rPr>
-              <a:t>Blueprint</a:t>
-            </a:r>
-            <a:endParaRPr lang="en-US" sz="1600" b="1" i="0" dirty="0">
-              <a:effectLst/>
-              <a:highlight>
-                <a:srgbClr val="FFFF00"/>
-              </a:highlight>
-            </a:endParaRPr>
-          </a:p>
-          <a:p>
-            <a:r>
-              <a:rPr lang="en-US" sz="1600" b="0" i="0" dirty="0">
-                <a:effectLst/>
-              </a:rPr>
-              <a:t>A </a:t>
-            </a:r>
-            <a:r>
-              <a:rPr lang="en-US" sz="1600" b="0" i="1" dirty="0">
-                <a:effectLst/>
-              </a:rPr>
-              <a:t>blueprint</a:t>
-            </a:r>
-            <a:r>
-              <a:rPr lang="en-US" sz="1600" b="0" i="0" dirty="0">
-                <a:effectLst/>
-              </a:rPr>
-              <a:t> is a data management template that enables you to easily ingest data into a data lake. Lake Formation provides several blueprints, each for a predefined source type, such as a relational database or AWS CloudTrail logs. From a blueprint, you can create a workflow. Workflows consist of AWS Glue crawlers, jobs, and triggers that are generated to orchestrate the loading and update of data. Blueprints take the data source, data target, and schedule as input to configure the workflow.</a:t>
-            </a:r>
-          </a:p>
-        </p:txBody>
-      </p:sp>
-      <p:cxnSp>
-        <p:nvCxnSpPr>
-          <p:cNvPr id="12" name="Straight Connector 11">
-            <a:extLst>
-              <a:ext uri="{FF2B5EF4-FFF2-40B4-BE49-F238E27FC236}">
-                <a16:creationId xmlns:a16="http://schemas.microsoft.com/office/drawing/2014/main" id="{1F16A8D4-FE87-4604-88B2-394B5D1EB437}"/>
-              </a:ext>
-              <a:ext uri="{C183D7F6-B498-43B3-948B-1728B52AA6E4}">
-                <adec:decorative xmlns:adec="http://schemas.microsoft.com/office/drawing/2017/decorative" val="1"/>
-              </a:ext>
-            </a:extLst>
-          </p:cNvPr>
-          <p:cNvCxnSpPr>
-            <a:cxnSpLocks noGrp="1" noRot="1" noChangeAspect="1" noMove="1" noResize="1" noEditPoints="1" noAdjustHandles="1" noChangeArrowheads="1" noChangeShapeType="1"/>
-          </p:cNvCxnSpPr>
-          <p:nvPr>
-            <p:extLst>
-              <p:ext uri="{386F3935-93C4-4BCD-93E2-E3B085C9AB24}">
-                <p16:designElem xmlns:p16="http://schemas.microsoft.com/office/powerpoint/2015/main" val="1"/>
-              </p:ext>
-            </p:extLst>
-          </p:nvPr>
-        </p:nvCxnSpPr>
-        <p:spPr>
-          <a:xfrm>
-            <a:off x="8129871" y="1412488"/>
-            <a:ext cx="0" cy="3657600"/>
-          </a:xfrm>
-          <a:prstGeom prst="line">
-            <a:avLst/>
-          </a:prstGeom>
-          <a:ln w="12700">
-            <a:solidFill>
-              <a:schemeClr val="tx1">
-                <a:lumMod val="50000"/>
-                <a:lumOff val="50000"/>
-              </a:schemeClr>
-            </a:solidFill>
-          </a:ln>
-        </p:spPr>
-        <p:style>
-          <a:lnRef idx="1">
-            <a:schemeClr val="accent1"/>
-          </a:lnRef>
-          <a:fillRef idx="0">
-            <a:schemeClr val="accent1"/>
-          </a:fillRef>
-          <a:effectRef idx="0">
-            <a:schemeClr val="accent1"/>
-          </a:effectRef>
-          <a:fontRef idx="minor">
-            <a:schemeClr val="tx1"/>
-          </a:fontRef>
-        </p:style>
-      </p:cxnSp>
-      <p:sp>
-        <p:nvSpPr>
-          <p:cNvPr id="5" name="TextBox 4">
-            <a:extLst>
-              <a:ext uri="{FF2B5EF4-FFF2-40B4-BE49-F238E27FC236}">
-                <a16:creationId xmlns:a16="http://schemas.microsoft.com/office/drawing/2014/main" id="{BAC704A9-C769-1C54-B652-F0037EFE7E02}"/>
-              </a:ext>
-            </a:extLst>
-          </p:cNvPr>
-          <p:cNvSpPr txBox="1"/>
-          <p:nvPr/>
-        </p:nvSpPr>
-        <p:spPr>
-          <a:xfrm>
-            <a:off x="8451604" y="1412489"/>
-            <a:ext cx="3197701" cy="4363844"/>
-          </a:xfrm>
-          <a:prstGeom prst="rect">
-            <a:avLst/>
-          </a:prstGeom>
-        </p:spPr>
-        <p:txBody>
-          <a:bodyPr vert="horz" lIns="91440" tIns="45720" rIns="91440" bIns="45720" rtlCol="0">
-            <a:normAutofit lnSpcReduction="10000"/>
-          </a:bodyPr>
-          <a:lstStyle/>
-          <a:p>
-            <a:pPr indent="-228600">
-              <a:lnSpc>
-                <a:spcPct val="90000"/>
-              </a:lnSpc>
-              <a:spcAft>
-                <a:spcPts val="600"/>
-              </a:spcAft>
-              <a:buFont typeface="Arial" panose="020B0604020202020204" pitchFamily="34" charset="0"/>
-              <a:buChar char="•"/>
-            </a:pPr>
-            <a:r>
-              <a:rPr lang="en-US" sz="2000" b="1" i="0" dirty="0">
-                <a:effectLst/>
-                <a:highlight>
-                  <a:srgbClr val="FFFF00"/>
-                </a:highlight>
-              </a:rPr>
-              <a:t>Workflow</a:t>
-            </a:r>
-            <a:endParaRPr lang="en-US" sz="1400" b="1" i="0" dirty="0">
-              <a:effectLst/>
-              <a:highlight>
-                <a:srgbClr val="FFFF00"/>
-              </a:highlight>
-            </a:endParaRPr>
-          </a:p>
-          <a:p>
-            <a:pPr indent="-228600">
-              <a:lnSpc>
-                <a:spcPct val="90000"/>
-              </a:lnSpc>
-              <a:spcAft>
-                <a:spcPts val="600"/>
-              </a:spcAft>
-              <a:buFont typeface="Arial" panose="020B0604020202020204" pitchFamily="34" charset="0"/>
-              <a:buChar char="•"/>
-            </a:pPr>
-            <a:r>
-              <a:rPr lang="en-US" sz="1600" b="0" i="0" dirty="0">
-                <a:effectLst/>
-              </a:rPr>
-              <a:t>A </a:t>
-            </a:r>
-            <a:r>
-              <a:rPr lang="en-US" sz="1600" b="0" i="1" dirty="0">
-                <a:effectLst/>
-              </a:rPr>
-              <a:t>workflow</a:t>
-            </a:r>
-            <a:r>
-              <a:rPr lang="en-US" sz="1600" b="0" i="0" dirty="0">
-                <a:effectLst/>
-              </a:rPr>
-              <a:t> is a container for a set of related AWS Glue jobs, crawlers, and triggers. You create the workflow in Lake Formation, and it executes in the AWS Glue service. Lake Formation can track the status of a workflow as a single entity.</a:t>
-            </a:r>
-          </a:p>
-          <a:p>
-            <a:pPr indent="-228600">
-              <a:lnSpc>
-                <a:spcPct val="90000"/>
-              </a:lnSpc>
-              <a:spcAft>
-                <a:spcPts val="600"/>
-              </a:spcAft>
-              <a:buFont typeface="Arial" panose="020B0604020202020204" pitchFamily="34" charset="0"/>
-              <a:buChar char="•"/>
-            </a:pPr>
-            <a:r>
-              <a:rPr lang="en-US" sz="1600" b="0" i="0" dirty="0">
-                <a:effectLst/>
-              </a:rPr>
-              <a:t>When you define a workflow, you select the blueprint upon which it is based. You can then run workflows on demand or on a schedule.</a:t>
-            </a:r>
-          </a:p>
-          <a:p>
-            <a:pPr indent="-228600">
-              <a:lnSpc>
-                <a:spcPct val="90000"/>
-              </a:lnSpc>
-              <a:spcAft>
-                <a:spcPts val="600"/>
-              </a:spcAft>
-              <a:buFont typeface="Arial" panose="020B0604020202020204" pitchFamily="34" charset="0"/>
-              <a:buChar char="•"/>
-            </a:pPr>
-            <a:r>
-              <a:rPr lang="en-US" sz="1600" b="0" i="0" dirty="0">
-                <a:effectLst/>
-              </a:rPr>
-              <a:t>Workflows that you create in Lake Formation are visible in the AWS Glue console as a directed acyclic graph (DAG). Using the DAG, you can track the progress of the workflow and perform troubleshooting.</a:t>
-            </a:r>
-          </a:p>
-        </p:txBody>
-      </p:sp>
-    </p:spTree>
-    <p:extLst>
-      <p:ext uri="{BB962C8B-B14F-4D97-AF65-F5344CB8AC3E}">
-        <p14:creationId xmlns:p14="http://schemas.microsoft.com/office/powerpoint/2010/main" val="1322125762"/>
-      </p:ext>
-    </p:extLst>
-  </p:cSld>
-  <p:clrMapOvr>
-    <a:masterClrMapping/>
-  </p:clrMapOvr>
-</p:sld>
-</file>
-
-<file path=ppt/slides/slide7.xml><?xml version="1.0" encoding="utf-8"?>
-<p:sld xmlns:a="http://schemas.openxmlformats.org/drawingml/2006/main" xmlns:r="http://schemas.openxmlformats.org/officeDocument/2006/relationships" xmlns:p="http://schemas.openxmlformats.org/presentationml/2006/main">
-  <p:cSld>
-    <p:bg>
-      <p:bgPr>
-        <a:solidFill>
-          <a:schemeClr val="bg1"/>
-        </a:solidFill>
-        <a:effectLst/>
-      </p:bgPr>
-    </p:bg>
-    <p:spTree>
-      <p:nvGrpSpPr>
-        <p:cNvPr id="1" name=""/>
-        <p:cNvGrpSpPr/>
-        <p:nvPr/>
-      </p:nvGrpSpPr>
-      <p:grpSpPr>
-        <a:xfrm>
-          <a:off x="0" y="0"/>
-          <a:ext cx="0" cy="0"/>
-          <a:chOff x="0" y="0"/>
-          <a:chExt cx="0" cy="0"/>
-        </a:xfrm>
-      </p:grpSpPr>
-      <p:sp useBgFill="1">
-        <p:nvSpPr>
-          <p:cNvPr id="12" name="Rectangle 11">
-            <a:extLst>
-              <a:ext uri="{FF2B5EF4-FFF2-40B4-BE49-F238E27FC236}">
-                <a16:creationId xmlns:a16="http://schemas.microsoft.com/office/drawing/2014/main" id="{BACC6370-2D7E-4714-9D71-7542949D7D5D}"/>
-              </a:ext>
-              <a:ext uri="{C183D7F6-B498-43B3-948B-1728B52AA6E4}">
-                <adec:decorative xmlns:adec="http://schemas.microsoft.com/office/drawing/2017/decorative" val="1"/>
-              </a:ext>
-            </a:extLst>
-          </p:cNvPr>
-          <p:cNvSpPr>
-            <a:spLocks noGrp="1" noRot="1" noChangeAspect="1" noMove="1" noResize="1" noEditPoints="1" noAdjustHandles="1" noChangeArrowheads="1" noChangeShapeType="1" noTextEdit="1"/>
-          </p:cNvSpPr>
-          <p:nvPr>
-            <p:extLst>
-              <p:ext uri="{386F3935-93C4-4BCD-93E2-E3B085C9AB24}">
-                <p16:designElem xmlns:p16="http://schemas.microsoft.com/office/powerpoint/2015/main" val="1"/>
-              </p:ext>
-            </p:extLst>
-          </p:nvPr>
-        </p:nvSpPr>
-        <p:spPr>
-          <a:xfrm>
-            <a:off x="0" y="0"/>
-            <a:ext cx="12192000" cy="6858000"/>
-          </a:xfrm>
-          <a:prstGeom prst="rect">
-            <a:avLst/>
-          </a:prstGeom>
-          <a:ln w="12700" cap="flat" cmpd="sng" algn="ctr">
-            <a:noFill/>
-            <a:prstDash val="solid"/>
-            <a:miter lim="800000"/>
-          </a:ln>
-          <a:effectLst/>
-          <a:extLst>
-            <a:ext uri="{91240B29-F687-4F45-9708-019B960494DF}">
-              <a14:hiddenLine xmlns:a14="http://schemas.microsoft.com/office/drawing/2010/main" w="12700" cap="flat" cmpd="sng" algn="ctr">
-                <a:solidFill>
-                  <a:schemeClr val="accent1">
-                    <a:shade val="50000"/>
-                  </a:schemeClr>
-                </a:solidFill>
-                <a:prstDash val="solid"/>
-                <a:miter lim="800000"/>
-              </a14:hiddenLine>
-            </a:ext>
-          </a:extLst>
-        </p:spPr>
-        <p:style>
-          <a:lnRef idx="2">
-            <a:schemeClr val="accent1">
-              <a:shade val="50000"/>
-            </a:schemeClr>
-          </a:lnRef>
-          <a:fillRef idx="1">
-            <a:schemeClr val="accent1"/>
-          </a:fillRef>
-          <a:effectRef idx="0">
-            <a:schemeClr val="accent1"/>
-          </a:effectRef>
-          <a:fontRef idx="minor">
-            <a:schemeClr val="lt1"/>
-          </a:fontRef>
-        </p:style>
-        <p:txBody>
-          <a:bodyPr rtlCol="0" anchor="ctr"/>
-          <a:lstStyle/>
-          <a:p>
-            <a:pPr algn="ctr"/>
-            <a:endParaRPr lang="en-US"/>
-          </a:p>
-        </p:txBody>
-      </p:sp>
-      <p:sp>
-        <p:nvSpPr>
-          <p:cNvPr id="14" name="Rectangle 13">
-            <a:extLst>
-              <a:ext uri="{FF2B5EF4-FFF2-40B4-BE49-F238E27FC236}">
-                <a16:creationId xmlns:a16="http://schemas.microsoft.com/office/drawing/2014/main" id="{F68B3F68-107C-434F-AA38-110D5EA91B85}"/>
-              </a:ext>
-              <a:ext uri="{C183D7F6-B498-43B3-948B-1728B52AA6E4}">
-                <adec:decorative xmlns:adec="http://schemas.microsoft.com/office/drawing/2017/decorative" val="1"/>
-              </a:ext>
-            </a:extLst>
-          </p:cNvPr>
-          <p:cNvSpPr>
-            <a:spLocks noGrp="1" noRot="1" noChangeAspect="1" noMove="1" noResize="1" noEditPoints="1" noAdjustHandles="1" noChangeArrowheads="1" noChangeShapeType="1" noTextEdit="1"/>
-          </p:cNvSpPr>
-          <p:nvPr>
-            <p:extLst>
-              <p:ext uri="{386F3935-93C4-4BCD-93E2-E3B085C9AB24}">
-                <p16:designElem xmlns:p16="http://schemas.microsoft.com/office/powerpoint/2015/main" val="1"/>
-              </p:ext>
-            </p:extLst>
-          </p:nvPr>
-        </p:nvSpPr>
-        <p:spPr>
-          <a:xfrm flipH="1">
-            <a:off x="2" y="0"/>
-            <a:ext cx="12191998" cy="1575955"/>
-          </a:xfrm>
-          <a:prstGeom prst="rect">
-            <a:avLst/>
-          </a:prstGeom>
-          <a:gradFill>
-            <a:gsLst>
-              <a:gs pos="0">
-                <a:srgbClr val="000000">
-                  <a:alpha val="96000"/>
-                </a:srgbClr>
-              </a:gs>
-              <a:gs pos="100000">
-                <a:schemeClr val="accent1">
-                  <a:lumMod val="75000"/>
-                </a:schemeClr>
-              </a:gs>
-            </a:gsLst>
-            <a:lin ang="8400000" scaled="0"/>
-          </a:gradFill>
-          <a:ln>
-            <a:noFill/>
-          </a:ln>
-        </p:spPr>
-        <p:style>
-          <a:lnRef idx="2">
-            <a:schemeClr val="accent1">
-              <a:shade val="50000"/>
-            </a:schemeClr>
-          </a:lnRef>
-          <a:fillRef idx="1">
-            <a:schemeClr val="accent1"/>
-          </a:fillRef>
-          <a:effectRef idx="0">
-            <a:schemeClr val="accent1"/>
-          </a:effectRef>
-          <a:fontRef idx="minor">
-            <a:schemeClr val="lt1"/>
-          </a:fontRef>
-        </p:style>
-        <p:txBody>
-          <a:bodyPr rtlCol="0" anchor="ctr"/>
-          <a:lstStyle/>
-          <a:p>
-            <a:pPr algn="ctr"/>
-            <a:endParaRPr lang="en-US"/>
-          </a:p>
-        </p:txBody>
-      </p:sp>
-      <p:sp>
-        <p:nvSpPr>
-          <p:cNvPr id="16" name="Rectangle 15">
-            <a:extLst>
-              <a:ext uri="{FF2B5EF4-FFF2-40B4-BE49-F238E27FC236}">
-                <a16:creationId xmlns:a16="http://schemas.microsoft.com/office/drawing/2014/main" id="{AAD0DBB9-1A4B-4391-81D4-CB19F9AB918A}"/>
-              </a:ext>
-              <a:ext uri="{C183D7F6-B498-43B3-948B-1728B52AA6E4}">
-                <adec:decorative xmlns:adec="http://schemas.microsoft.com/office/drawing/2017/decorative" val="1"/>
-              </a:ext>
-            </a:extLst>
-          </p:cNvPr>
-          <p:cNvSpPr>
-            <a:spLocks noGrp="1" noRot="1" noChangeAspect="1" noMove="1" noResize="1" noEditPoints="1" noAdjustHandles="1" noChangeArrowheads="1" noChangeShapeType="1" noTextEdit="1"/>
-          </p:cNvSpPr>
-          <p:nvPr>
-            <p:extLst>
-              <p:ext uri="{386F3935-93C4-4BCD-93E2-E3B085C9AB24}">
-                <p16:designElem xmlns:p16="http://schemas.microsoft.com/office/powerpoint/2015/main" val="1"/>
-              </p:ext>
-            </p:extLst>
-          </p:nvPr>
-        </p:nvSpPr>
-        <p:spPr>
-          <a:xfrm rot="10800000" flipH="1">
-            <a:off x="8128857" y="0"/>
-            <a:ext cx="4063143" cy="1576412"/>
-          </a:xfrm>
-          <a:prstGeom prst="rect">
-            <a:avLst/>
-          </a:prstGeom>
-          <a:gradFill>
-            <a:gsLst>
-              <a:gs pos="19000">
-                <a:schemeClr val="accent1">
-                  <a:lumMod val="50000"/>
-                  <a:alpha val="68000"/>
-                </a:schemeClr>
-              </a:gs>
-              <a:gs pos="100000">
-                <a:schemeClr val="accent1">
-                  <a:alpha val="79000"/>
-                </a:schemeClr>
-              </a:gs>
-            </a:gsLst>
-            <a:lin ang="19200000" scaled="0"/>
-          </a:gradFill>
-          <a:ln>
-            <a:noFill/>
-          </a:ln>
-        </p:spPr>
-        <p:style>
-          <a:lnRef idx="2">
-            <a:schemeClr val="accent1">
-              <a:shade val="50000"/>
-            </a:schemeClr>
-          </a:lnRef>
-          <a:fillRef idx="1">
-            <a:schemeClr val="accent1"/>
-          </a:fillRef>
-          <a:effectRef idx="0">
-            <a:schemeClr val="accent1"/>
-          </a:effectRef>
-          <a:fontRef idx="minor">
-            <a:schemeClr val="lt1"/>
-          </a:fontRef>
-        </p:style>
-        <p:txBody>
-          <a:bodyPr rtlCol="0" anchor="ctr"/>
-          <a:lstStyle/>
-          <a:p>
-            <a:pPr algn="ctr"/>
-            <a:endParaRPr lang="en-US"/>
-          </a:p>
-        </p:txBody>
-      </p:sp>
-      <p:sp>
-        <p:nvSpPr>
-          <p:cNvPr id="18" name="Rectangle 17">
-            <a:extLst>
-              <a:ext uri="{FF2B5EF4-FFF2-40B4-BE49-F238E27FC236}">
-                <a16:creationId xmlns:a16="http://schemas.microsoft.com/office/drawing/2014/main" id="{063BBA22-50EA-4C4D-BE05-F1CE4E63AA56}"/>
-              </a:ext>
-              <a:ext uri="{C183D7F6-B498-43B3-948B-1728B52AA6E4}">
-                <adec:decorative xmlns:adec="http://schemas.microsoft.com/office/drawing/2017/decorative" val="1"/>
-              </a:ext>
-            </a:extLst>
-          </p:cNvPr>
-          <p:cNvSpPr>
-            <a:spLocks noGrp="1" noRot="1" noChangeAspect="1" noMove="1" noResize="1" noEditPoints="1" noAdjustHandles="1" noChangeArrowheads="1" noChangeShapeType="1" noTextEdit="1"/>
-          </p:cNvSpPr>
-          <p:nvPr>
-            <p:extLst>
-              <p:ext uri="{386F3935-93C4-4BCD-93E2-E3B085C9AB24}">
-                <p16:designElem xmlns:p16="http://schemas.microsoft.com/office/powerpoint/2015/main" val="1"/>
-              </p:ext>
-            </p:extLst>
-          </p:nvPr>
-        </p:nvSpPr>
-        <p:spPr>
-          <a:xfrm rot="5400000">
-            <a:off x="5307777" y="-5307778"/>
-            <a:ext cx="1576446" cy="12192002"/>
-          </a:xfrm>
-          <a:prstGeom prst="rect">
-            <a:avLst/>
-          </a:prstGeom>
-          <a:gradFill>
-            <a:gsLst>
-              <a:gs pos="23000">
-                <a:schemeClr val="accent1">
-                  <a:alpha val="0"/>
-                </a:schemeClr>
-              </a:gs>
-              <a:gs pos="99000">
-                <a:srgbClr val="000000">
-                  <a:alpha val="74000"/>
-                </a:srgbClr>
-              </a:gs>
-            </a:gsLst>
-            <a:lin ang="20400000" scaled="0"/>
-          </a:gradFill>
-          <a:ln>
-            <a:noFill/>
-          </a:ln>
-        </p:spPr>
-        <p:style>
-          <a:lnRef idx="2">
-            <a:schemeClr val="accent1">
-              <a:shade val="50000"/>
-            </a:schemeClr>
-          </a:lnRef>
-          <a:fillRef idx="1">
-            <a:schemeClr val="accent1"/>
-          </a:fillRef>
-          <a:effectRef idx="0">
-            <a:schemeClr val="accent1"/>
-          </a:effectRef>
-          <a:fontRef idx="minor">
-            <a:schemeClr val="lt1"/>
-          </a:fontRef>
-        </p:style>
-        <p:txBody>
-          <a:bodyPr rtlCol="0" anchor="ctr"/>
-          <a:lstStyle/>
-          <a:p>
-            <a:pPr algn="ctr"/>
-            <a:endParaRPr lang="en-US" dirty="0"/>
-          </a:p>
-        </p:txBody>
-      </p:sp>
-      <p:sp>
-        <p:nvSpPr>
-          <p:cNvPr id="2" name="Title 1">
-            <a:extLst>
-              <a:ext uri="{FF2B5EF4-FFF2-40B4-BE49-F238E27FC236}">
-                <a16:creationId xmlns:a16="http://schemas.microsoft.com/office/drawing/2014/main" id="{78E9A842-121A-2DF1-95E8-EA4FB2926445}"/>
-              </a:ext>
-            </a:extLst>
-          </p:cNvPr>
-          <p:cNvSpPr>
-            <a:spLocks noGrp="1"/>
-          </p:cNvSpPr>
-          <p:nvPr>
-            <p:ph type="title"/>
-          </p:nvPr>
-        </p:nvSpPr>
-        <p:spPr>
-          <a:xfrm>
-            <a:off x="1371597" y="348865"/>
-            <a:ext cx="10044023" cy="877729"/>
-          </a:xfrm>
-        </p:spPr>
-        <p:txBody>
-          <a:bodyPr anchor="ctr">
-            <a:normAutofit/>
-          </a:bodyPr>
-          <a:lstStyle/>
-          <a:p>
-            <a:r>
-              <a:rPr lang="en-GB" sz="4000">
-                <a:solidFill>
-                  <a:srgbClr val="FFFFFF"/>
-                </a:solidFill>
-                <a:latin typeface="Amazon Ember"/>
-              </a:rPr>
-              <a:t>AWS </a:t>
-            </a:r>
-            <a:r>
-              <a:rPr lang="en-GB" sz="4000" b="0" i="0">
-                <a:solidFill>
-                  <a:srgbClr val="FFFFFF"/>
-                </a:solidFill>
-                <a:effectLst/>
-                <a:latin typeface="Amazon Ember"/>
-              </a:rPr>
-              <a:t>Lake Formation terminology</a:t>
-            </a:r>
-            <a:endParaRPr lang="en-CH" sz="4000">
-              <a:solidFill>
-                <a:srgbClr val="FFFFFF"/>
-              </a:solidFill>
-            </a:endParaRPr>
-          </a:p>
-        </p:txBody>
-      </p:sp>
-      <p:sp>
-        <p:nvSpPr>
-          <p:cNvPr id="3" name="Content Placeholder 2">
-            <a:extLst>
-              <a:ext uri="{FF2B5EF4-FFF2-40B4-BE49-F238E27FC236}">
-                <a16:creationId xmlns:a16="http://schemas.microsoft.com/office/drawing/2014/main" id="{C4690575-4A6F-9513-4848-A61F9EBFE405}"/>
-              </a:ext>
-            </a:extLst>
-          </p:cNvPr>
-          <p:cNvSpPr>
-            <a:spLocks noGrp="1"/>
-          </p:cNvSpPr>
-          <p:nvPr>
-            <p:ph idx="1"/>
-          </p:nvPr>
-        </p:nvSpPr>
-        <p:spPr>
-          <a:xfrm>
-            <a:off x="193780" y="2131581"/>
-            <a:ext cx="5341065" cy="4511444"/>
-          </a:xfrm>
-        </p:spPr>
-        <p:txBody>
-          <a:bodyPr>
-            <a:noAutofit/>
-          </a:bodyPr>
-          <a:lstStyle/>
-          <a:p>
-            <a:pPr marL="214884" indent="-214884" defTabSz="859536">
-              <a:spcBef>
-                <a:spcPts val="940"/>
-              </a:spcBef>
-            </a:pPr>
-            <a:r>
-              <a:rPr lang="en-GB" sz="1600" b="1" kern="1200" dirty="0">
-                <a:solidFill>
-                  <a:srgbClr val="16191F"/>
-                </a:solidFill>
-                <a:highlight>
-                  <a:srgbClr val="FFFF00"/>
-                </a:highlight>
-                <a:latin typeface="Amazon Ember"/>
-                <a:ea typeface="+mn-ea"/>
-                <a:cs typeface="+mn-cs"/>
-              </a:rPr>
-              <a:t>Data </a:t>
-            </a:r>
-            <a:r>
-              <a:rPr lang="en-GB" sz="1600" b="1" kern="1200" dirty="0" err="1">
-                <a:solidFill>
-                  <a:srgbClr val="16191F"/>
-                </a:solidFill>
-                <a:highlight>
-                  <a:srgbClr val="FFFF00"/>
-                </a:highlight>
-                <a:latin typeface="Amazon Ember"/>
-                <a:ea typeface="+mn-ea"/>
-                <a:cs typeface="+mn-cs"/>
-              </a:rPr>
-              <a:t>Catalog</a:t>
-            </a:r>
-            <a:endParaRPr lang="en-GB" sz="1600" b="1" kern="1200" dirty="0">
-              <a:solidFill>
-                <a:srgbClr val="16191F"/>
-              </a:solidFill>
-              <a:highlight>
-                <a:srgbClr val="FFFF00"/>
-              </a:highlight>
-              <a:latin typeface="Amazon Ember"/>
-              <a:ea typeface="+mn-ea"/>
-              <a:cs typeface="+mn-cs"/>
-            </a:endParaRPr>
-          </a:p>
-          <a:p>
-            <a:pPr marL="214884" indent="-214884" defTabSz="859536">
-              <a:spcBef>
-                <a:spcPts val="940"/>
-              </a:spcBef>
-            </a:pPr>
-            <a:r>
-              <a:rPr lang="en-GB" sz="1400" kern="1200" dirty="0">
-                <a:solidFill>
-                  <a:srgbClr val="16191F"/>
-                </a:solidFill>
-                <a:latin typeface="Amazon Ember"/>
-                <a:ea typeface="+mn-ea"/>
-                <a:cs typeface="+mn-cs"/>
-              </a:rPr>
-              <a:t>The </a:t>
-            </a:r>
-            <a:r>
-              <a:rPr lang="en-GB" sz="1400" i="1" kern="1200" dirty="0">
-                <a:solidFill>
-                  <a:srgbClr val="16191F"/>
-                </a:solidFill>
-                <a:latin typeface="Amazon Ember"/>
-                <a:ea typeface="+mn-ea"/>
-                <a:cs typeface="+mn-cs"/>
-              </a:rPr>
-              <a:t>Data </a:t>
-            </a:r>
-            <a:r>
-              <a:rPr lang="en-GB" sz="1400" i="1" kern="1200" dirty="0" err="1">
-                <a:solidFill>
-                  <a:srgbClr val="16191F"/>
-                </a:solidFill>
-                <a:latin typeface="Amazon Ember"/>
-                <a:ea typeface="+mn-ea"/>
-                <a:cs typeface="+mn-cs"/>
-              </a:rPr>
-              <a:t>Catalog</a:t>
-            </a:r>
-            <a:r>
-              <a:rPr lang="en-GB" sz="1400" kern="1200" dirty="0">
-                <a:solidFill>
-                  <a:srgbClr val="16191F"/>
-                </a:solidFill>
-                <a:latin typeface="Amazon Ember"/>
-                <a:ea typeface="+mn-ea"/>
-                <a:cs typeface="+mn-cs"/>
-              </a:rPr>
-              <a:t> is your persistent metadata store. </a:t>
-            </a:r>
-          </a:p>
-          <a:p>
-            <a:pPr marL="214884" indent="-214884" defTabSz="859536">
-              <a:spcBef>
-                <a:spcPts val="940"/>
-              </a:spcBef>
-            </a:pPr>
-            <a:r>
-              <a:rPr lang="en-GB" sz="1400" kern="1200" dirty="0">
-                <a:solidFill>
-                  <a:srgbClr val="16191F"/>
-                </a:solidFill>
-                <a:latin typeface="Amazon Ember"/>
-                <a:ea typeface="+mn-ea"/>
-                <a:cs typeface="+mn-cs"/>
-              </a:rPr>
-              <a:t>It is a managed service that lets you store, annotate, and share metadata in the AWS Cloud in the same way you would in an Apache Hive </a:t>
-            </a:r>
-            <a:r>
-              <a:rPr lang="en-GB" sz="1400" kern="1200" dirty="0" err="1">
-                <a:solidFill>
-                  <a:srgbClr val="16191F"/>
-                </a:solidFill>
-                <a:latin typeface="Amazon Ember"/>
-                <a:ea typeface="+mn-ea"/>
-                <a:cs typeface="+mn-cs"/>
-              </a:rPr>
-              <a:t>metastore</a:t>
-            </a:r>
-            <a:r>
-              <a:rPr lang="en-GB" sz="1400" kern="1200" dirty="0">
-                <a:solidFill>
-                  <a:srgbClr val="16191F"/>
-                </a:solidFill>
-                <a:latin typeface="Amazon Ember"/>
-                <a:ea typeface="+mn-ea"/>
-                <a:cs typeface="+mn-cs"/>
-              </a:rPr>
-              <a:t>. </a:t>
-            </a:r>
-          </a:p>
-          <a:p>
-            <a:pPr marL="214884" indent="-214884" defTabSz="859536">
-              <a:spcBef>
-                <a:spcPts val="940"/>
-              </a:spcBef>
-            </a:pPr>
-            <a:r>
-              <a:rPr lang="en-GB" sz="1400" kern="1200" dirty="0">
-                <a:solidFill>
-                  <a:srgbClr val="16191F"/>
-                </a:solidFill>
-                <a:latin typeface="Amazon Ember"/>
-                <a:ea typeface="+mn-ea"/>
-                <a:cs typeface="+mn-cs"/>
-              </a:rPr>
-              <a:t>It provides a uniform repository where disparate systems can store and find metadata to track data in data silos, and then use that metadata to query and transform the data. </a:t>
-            </a:r>
-          </a:p>
-          <a:p>
-            <a:pPr marL="214884" indent="-214884" defTabSz="859536">
-              <a:spcBef>
-                <a:spcPts val="940"/>
-              </a:spcBef>
-            </a:pPr>
-            <a:r>
-              <a:rPr lang="en-GB" sz="1400" kern="1200" dirty="0">
-                <a:solidFill>
-                  <a:srgbClr val="16191F"/>
-                </a:solidFill>
-                <a:latin typeface="Amazon Ember"/>
-                <a:ea typeface="+mn-ea"/>
-                <a:cs typeface="+mn-cs"/>
-              </a:rPr>
-              <a:t>Lake Formation uses the AWS Glue Data </a:t>
-            </a:r>
-            <a:r>
-              <a:rPr lang="en-GB" sz="1400" kern="1200" dirty="0" err="1">
-                <a:solidFill>
-                  <a:srgbClr val="16191F"/>
-                </a:solidFill>
-                <a:latin typeface="Amazon Ember"/>
-                <a:ea typeface="+mn-ea"/>
-                <a:cs typeface="+mn-cs"/>
-              </a:rPr>
-              <a:t>Catalog</a:t>
-            </a:r>
-            <a:r>
-              <a:rPr lang="en-GB" sz="1400" kern="1200" dirty="0">
-                <a:solidFill>
-                  <a:srgbClr val="16191F"/>
-                </a:solidFill>
-                <a:latin typeface="Amazon Ember"/>
-                <a:ea typeface="+mn-ea"/>
-                <a:cs typeface="+mn-cs"/>
-              </a:rPr>
-              <a:t> to store metadata about data lakes, data sources, transforms, and targets.</a:t>
-            </a:r>
-          </a:p>
-          <a:p>
-            <a:pPr marL="214884" indent="-214884" defTabSz="859536">
-              <a:spcBef>
-                <a:spcPts val="940"/>
-              </a:spcBef>
-            </a:pPr>
-            <a:r>
-              <a:rPr lang="en-GB" sz="1400" kern="1200" dirty="0">
-                <a:solidFill>
-                  <a:srgbClr val="16191F"/>
-                </a:solidFill>
-                <a:latin typeface="Amazon Ember"/>
-                <a:ea typeface="+mn-ea"/>
-                <a:cs typeface="+mn-cs"/>
-              </a:rPr>
-              <a:t>Metadata about data sources and targets is in the form of databases and tables. </a:t>
-            </a:r>
-          </a:p>
-          <a:p>
-            <a:pPr marL="214884" indent="-214884" defTabSz="859536">
-              <a:spcBef>
-                <a:spcPts val="940"/>
-              </a:spcBef>
-            </a:pPr>
-            <a:r>
-              <a:rPr lang="en-GB" sz="1400" kern="1200" dirty="0">
-                <a:solidFill>
-                  <a:srgbClr val="16191F"/>
-                </a:solidFill>
-                <a:latin typeface="Amazon Ember"/>
-                <a:ea typeface="+mn-ea"/>
-                <a:cs typeface="+mn-cs"/>
-              </a:rPr>
-              <a:t>Tables store schema information, location information, and more. </a:t>
-            </a:r>
-          </a:p>
-          <a:p>
-            <a:pPr marL="214884" indent="-214884" defTabSz="859536">
-              <a:spcBef>
-                <a:spcPts val="940"/>
-              </a:spcBef>
-            </a:pPr>
-            <a:r>
-              <a:rPr lang="en-GB" sz="1400" kern="1200" dirty="0">
-                <a:solidFill>
-                  <a:srgbClr val="16191F"/>
-                </a:solidFill>
-                <a:latin typeface="Amazon Ember"/>
-                <a:ea typeface="+mn-ea"/>
-                <a:cs typeface="+mn-cs"/>
-              </a:rPr>
-              <a:t>Databases are collections of tables. </a:t>
-            </a:r>
-          </a:p>
-          <a:p>
-            <a:pPr marL="214884" indent="-214884" defTabSz="859536">
-              <a:spcBef>
-                <a:spcPts val="940"/>
-              </a:spcBef>
-            </a:pPr>
-            <a:r>
-              <a:rPr lang="en-GB" sz="1400" kern="1200" dirty="0">
-                <a:solidFill>
-                  <a:srgbClr val="16191F"/>
-                </a:solidFill>
-                <a:latin typeface="Amazon Ember"/>
-                <a:ea typeface="+mn-ea"/>
-                <a:cs typeface="+mn-cs"/>
-              </a:rPr>
-              <a:t>Lake Formation provides a hierarchy of permissions to control access to databases and tables in the Data </a:t>
-            </a:r>
-            <a:r>
-              <a:rPr lang="en-GB" sz="1400" kern="1200" dirty="0" err="1">
-                <a:solidFill>
-                  <a:srgbClr val="16191F"/>
-                </a:solidFill>
-                <a:latin typeface="Amazon Ember"/>
-                <a:ea typeface="+mn-ea"/>
-                <a:cs typeface="+mn-cs"/>
-              </a:rPr>
-              <a:t>Catalog</a:t>
-            </a:r>
-            <a:r>
-              <a:rPr lang="en-GB" sz="1400" kern="1200" dirty="0">
-                <a:solidFill>
-                  <a:srgbClr val="16191F"/>
-                </a:solidFill>
-                <a:latin typeface="Amazon Ember"/>
-                <a:ea typeface="+mn-ea"/>
-                <a:cs typeface="+mn-cs"/>
-              </a:rPr>
-              <a:t>.</a:t>
-            </a:r>
-          </a:p>
-          <a:p>
-            <a:pPr marL="214884" indent="-214884" defTabSz="859536">
-              <a:spcBef>
-                <a:spcPts val="940"/>
-              </a:spcBef>
-            </a:pPr>
-            <a:r>
-              <a:rPr lang="en-GB" sz="1400" kern="1200" dirty="0">
-                <a:solidFill>
-                  <a:srgbClr val="16191F"/>
-                </a:solidFill>
-                <a:latin typeface="Amazon Ember"/>
-                <a:ea typeface="+mn-ea"/>
-                <a:cs typeface="+mn-cs"/>
-              </a:rPr>
-              <a:t>Each AWS account has one Data </a:t>
-            </a:r>
-            <a:r>
-              <a:rPr lang="en-GB" sz="1400" kern="1200" dirty="0" err="1">
-                <a:solidFill>
-                  <a:srgbClr val="16191F"/>
-                </a:solidFill>
-                <a:latin typeface="Amazon Ember"/>
-                <a:ea typeface="+mn-ea"/>
-                <a:cs typeface="+mn-cs"/>
-              </a:rPr>
-              <a:t>Catalog</a:t>
-            </a:r>
-            <a:r>
-              <a:rPr lang="en-GB" sz="1400" kern="1200" dirty="0">
-                <a:solidFill>
-                  <a:srgbClr val="16191F"/>
-                </a:solidFill>
-                <a:latin typeface="Amazon Ember"/>
-                <a:ea typeface="+mn-ea"/>
-                <a:cs typeface="+mn-cs"/>
-              </a:rPr>
-              <a:t> per AWS Region.</a:t>
-            </a:r>
-            <a:br>
-              <a:rPr lang="en-GB" sz="1400" kern="1200" dirty="0">
-                <a:solidFill>
-                  <a:schemeClr val="tx1"/>
-                </a:solidFill>
-                <a:latin typeface="+mn-lt"/>
-                <a:ea typeface="+mn-ea"/>
-                <a:cs typeface="+mn-cs"/>
-              </a:rPr>
-            </a:br>
-            <a:endParaRPr lang="en-GB" sz="1400" b="0" i="0" dirty="0">
-              <a:solidFill>
-                <a:srgbClr val="16191F"/>
-              </a:solidFill>
-              <a:effectLst/>
-              <a:latin typeface="Amazon Ember"/>
-            </a:endParaRPr>
-          </a:p>
-        </p:txBody>
-      </p:sp>
-      <p:sp>
-        <p:nvSpPr>
-          <p:cNvPr id="5" name="TextBox 4">
-            <a:extLst>
-              <a:ext uri="{FF2B5EF4-FFF2-40B4-BE49-F238E27FC236}">
-                <a16:creationId xmlns:a16="http://schemas.microsoft.com/office/drawing/2014/main" id="{BAC704A9-C769-1C54-B652-F0037EFE7E02}"/>
-              </a:ext>
-            </a:extLst>
-          </p:cNvPr>
-          <p:cNvSpPr txBox="1"/>
-          <p:nvPr/>
-        </p:nvSpPr>
-        <p:spPr>
-          <a:xfrm>
-            <a:off x="5838605" y="2209206"/>
-            <a:ext cx="5080873" cy="846386"/>
-          </a:xfrm>
-          <a:prstGeom prst="rect">
-            <a:avLst/>
-          </a:prstGeom>
-          <a:noFill/>
-        </p:spPr>
-        <p:txBody>
-          <a:bodyPr wrap="square">
-            <a:spAutoFit/>
-          </a:bodyPr>
-          <a:lstStyle/>
-          <a:p>
-            <a:pPr defTabSz="859536">
-              <a:spcAft>
-                <a:spcPts val="600"/>
-              </a:spcAft>
-            </a:pPr>
-            <a:r>
-              <a:rPr lang="en-GB" sz="1600" b="1" kern="1200" dirty="0">
-                <a:solidFill>
-                  <a:srgbClr val="16191F"/>
-                </a:solidFill>
-                <a:highlight>
-                  <a:srgbClr val="FFFF00"/>
-                </a:highlight>
-                <a:latin typeface="Amazon Ember"/>
-                <a:ea typeface="+mn-ea"/>
-                <a:cs typeface="+mn-cs"/>
-              </a:rPr>
-              <a:t>Underlying data</a:t>
-            </a:r>
-          </a:p>
-          <a:p>
-            <a:pPr defTabSz="859536">
-              <a:spcAft>
-                <a:spcPts val="600"/>
-              </a:spcAft>
-            </a:pPr>
-            <a:r>
-              <a:rPr lang="en-GB" sz="1400" i="1" kern="1200" dirty="0">
-                <a:solidFill>
-                  <a:srgbClr val="16191F"/>
-                </a:solidFill>
-                <a:latin typeface="Amazon Ember"/>
-                <a:ea typeface="+mn-ea"/>
-                <a:cs typeface="+mn-cs"/>
-              </a:rPr>
-              <a:t>Underlying data</a:t>
-            </a:r>
-            <a:r>
-              <a:rPr lang="en-GB" sz="1400" kern="1200" dirty="0">
-                <a:solidFill>
-                  <a:srgbClr val="16191F"/>
-                </a:solidFill>
-                <a:latin typeface="Amazon Ember"/>
-                <a:ea typeface="+mn-ea"/>
-                <a:cs typeface="+mn-cs"/>
-              </a:rPr>
-              <a:t> refers to the source data or data within the data lakes that Data </a:t>
-            </a:r>
-            <a:r>
-              <a:rPr lang="en-GB" sz="1400" kern="1200" dirty="0" err="1">
-                <a:solidFill>
-                  <a:srgbClr val="16191F"/>
-                </a:solidFill>
-                <a:latin typeface="Amazon Ember"/>
-                <a:ea typeface="+mn-ea"/>
-                <a:cs typeface="+mn-cs"/>
-              </a:rPr>
-              <a:t>Catalog</a:t>
-            </a:r>
-            <a:r>
-              <a:rPr lang="en-GB" sz="1400" kern="1200" dirty="0">
-                <a:solidFill>
-                  <a:srgbClr val="16191F"/>
-                </a:solidFill>
-                <a:latin typeface="Amazon Ember"/>
-                <a:ea typeface="+mn-ea"/>
-                <a:cs typeface="+mn-cs"/>
-              </a:rPr>
-              <a:t> tables point to.</a:t>
-            </a:r>
-            <a:endParaRPr lang="en-CH" sz="1400" dirty="0"/>
-          </a:p>
-        </p:txBody>
-      </p:sp>
-      <p:sp>
-        <p:nvSpPr>
-          <p:cNvPr id="6" name="TextBox 5">
-            <a:extLst>
-              <a:ext uri="{FF2B5EF4-FFF2-40B4-BE49-F238E27FC236}">
-                <a16:creationId xmlns:a16="http://schemas.microsoft.com/office/drawing/2014/main" id="{60F83035-01C5-16F3-AD18-F07B7D2423EF}"/>
-              </a:ext>
-            </a:extLst>
-          </p:cNvPr>
-          <p:cNvSpPr txBox="1"/>
-          <p:nvPr/>
-        </p:nvSpPr>
-        <p:spPr>
-          <a:xfrm>
-            <a:off x="5838605" y="3209094"/>
-            <a:ext cx="5733280" cy="846386"/>
-          </a:xfrm>
-          <a:prstGeom prst="rect">
-            <a:avLst/>
-          </a:prstGeom>
-          <a:noFill/>
-        </p:spPr>
-        <p:txBody>
-          <a:bodyPr wrap="square">
-            <a:spAutoFit/>
-          </a:bodyPr>
-          <a:lstStyle/>
-          <a:p>
-            <a:pPr defTabSz="859536">
-              <a:spcAft>
-                <a:spcPts val="600"/>
-              </a:spcAft>
-            </a:pPr>
-            <a:r>
-              <a:rPr lang="en-GB" sz="1600" b="1" kern="1200" dirty="0">
-                <a:solidFill>
-                  <a:srgbClr val="16191F"/>
-                </a:solidFill>
-                <a:highlight>
-                  <a:srgbClr val="FFFF00"/>
-                </a:highlight>
-                <a:latin typeface="Amazon Ember"/>
-                <a:ea typeface="+mn-ea"/>
-                <a:cs typeface="+mn-cs"/>
-              </a:rPr>
-              <a:t>Principal</a:t>
-            </a:r>
-            <a:endParaRPr lang="en-GB" sz="1400" b="1" kern="1200" dirty="0">
-              <a:solidFill>
-                <a:srgbClr val="16191F"/>
-              </a:solidFill>
-              <a:highlight>
-                <a:srgbClr val="FFFF00"/>
-              </a:highlight>
-              <a:latin typeface="Amazon Ember"/>
-              <a:ea typeface="+mn-ea"/>
-              <a:cs typeface="+mn-cs"/>
-            </a:endParaRPr>
-          </a:p>
-          <a:p>
-            <a:pPr defTabSz="859536">
-              <a:spcAft>
-                <a:spcPts val="600"/>
-              </a:spcAft>
-            </a:pPr>
-            <a:r>
-              <a:rPr lang="en-GB" sz="1400" kern="1200" dirty="0">
-                <a:solidFill>
-                  <a:srgbClr val="16191F"/>
-                </a:solidFill>
-                <a:latin typeface="Amazon Ember"/>
-                <a:ea typeface="+mn-ea"/>
-                <a:cs typeface="+mn-cs"/>
-              </a:rPr>
-              <a:t>A </a:t>
-            </a:r>
-            <a:r>
-              <a:rPr lang="en-GB" sz="1400" i="1" kern="1200" dirty="0">
-                <a:solidFill>
-                  <a:srgbClr val="16191F"/>
-                </a:solidFill>
-                <a:latin typeface="Amazon Ember"/>
-                <a:ea typeface="+mn-ea"/>
-                <a:cs typeface="+mn-cs"/>
-              </a:rPr>
-              <a:t>principal</a:t>
-            </a:r>
-            <a:r>
-              <a:rPr lang="en-GB" sz="1400" kern="1200" dirty="0">
-                <a:solidFill>
-                  <a:srgbClr val="16191F"/>
-                </a:solidFill>
-                <a:latin typeface="Amazon Ember"/>
-                <a:ea typeface="+mn-ea"/>
-                <a:cs typeface="+mn-cs"/>
-              </a:rPr>
-              <a:t> is an AWS Identity and Access Management (IAM) user or role or an Active Directory user.</a:t>
-            </a:r>
-            <a:endParaRPr lang="en-GB" sz="1400" b="0" i="0" dirty="0">
-              <a:solidFill>
-                <a:srgbClr val="16191F"/>
-              </a:solidFill>
-              <a:effectLst/>
-              <a:latin typeface="Amazon Ember"/>
-            </a:endParaRPr>
-          </a:p>
-        </p:txBody>
-      </p:sp>
-      <p:sp>
-        <p:nvSpPr>
-          <p:cNvPr id="7" name="TextBox 6">
-            <a:extLst>
-              <a:ext uri="{FF2B5EF4-FFF2-40B4-BE49-F238E27FC236}">
-                <a16:creationId xmlns:a16="http://schemas.microsoft.com/office/drawing/2014/main" id="{56976F38-498C-2CE6-496D-2BF5F0B92E49}"/>
-              </a:ext>
-            </a:extLst>
-          </p:cNvPr>
-          <p:cNvSpPr txBox="1"/>
-          <p:nvPr/>
-        </p:nvSpPr>
-        <p:spPr>
-          <a:xfrm>
-            <a:off x="5838605" y="4208981"/>
-            <a:ext cx="5733280" cy="1492716"/>
-          </a:xfrm>
-          <a:prstGeom prst="rect">
-            <a:avLst/>
-          </a:prstGeom>
-          <a:noFill/>
-        </p:spPr>
-        <p:txBody>
-          <a:bodyPr wrap="square" rtlCol="0">
-            <a:spAutoFit/>
-          </a:bodyPr>
-          <a:lstStyle/>
-          <a:p>
-            <a:pPr defTabSz="859536">
-              <a:spcAft>
-                <a:spcPts val="600"/>
-              </a:spcAft>
-            </a:pPr>
-            <a:r>
-              <a:rPr lang="en-GB" sz="1600" b="1" kern="1200" dirty="0">
-                <a:solidFill>
-                  <a:schemeClr val="tx1"/>
-                </a:solidFill>
-                <a:highlight>
-                  <a:srgbClr val="FFFF00"/>
-                </a:highlight>
-                <a:latin typeface="+mn-lt"/>
-                <a:ea typeface="+mn-ea"/>
-                <a:cs typeface="+mn-cs"/>
-              </a:rPr>
-              <a:t>Data lake administrator</a:t>
-            </a:r>
-          </a:p>
-          <a:p>
-            <a:pPr defTabSz="859536">
-              <a:spcAft>
-                <a:spcPts val="600"/>
-              </a:spcAft>
-            </a:pPr>
-            <a:r>
-              <a:rPr lang="en-GB" sz="1400" kern="1200" dirty="0">
-                <a:solidFill>
-                  <a:schemeClr val="tx1"/>
-                </a:solidFill>
-                <a:latin typeface="+mn-lt"/>
-                <a:ea typeface="+mn-ea"/>
-                <a:cs typeface="+mn-cs"/>
-              </a:rPr>
-              <a:t>A </a:t>
-            </a:r>
-            <a:r>
-              <a:rPr lang="en-GB" sz="1400" i="1" kern="1200" dirty="0">
-                <a:solidFill>
-                  <a:schemeClr val="tx1"/>
-                </a:solidFill>
-                <a:latin typeface="+mn-lt"/>
-                <a:ea typeface="+mn-ea"/>
-                <a:cs typeface="+mn-cs"/>
-              </a:rPr>
-              <a:t>data lake administrator</a:t>
-            </a:r>
-            <a:r>
-              <a:rPr lang="en-GB" sz="1400" kern="1200" dirty="0">
-                <a:solidFill>
-                  <a:schemeClr val="tx1"/>
-                </a:solidFill>
-                <a:latin typeface="+mn-lt"/>
-                <a:ea typeface="+mn-ea"/>
-                <a:cs typeface="+mn-cs"/>
-              </a:rPr>
-              <a:t> is a principal who can grant any principal (including self) any permission on any Data </a:t>
-            </a:r>
-            <a:r>
-              <a:rPr lang="en-GB" sz="1400" kern="1200" dirty="0" err="1">
-                <a:solidFill>
-                  <a:schemeClr val="tx1"/>
-                </a:solidFill>
-                <a:latin typeface="+mn-lt"/>
-                <a:ea typeface="+mn-ea"/>
-                <a:cs typeface="+mn-cs"/>
-              </a:rPr>
-              <a:t>Catalog</a:t>
-            </a:r>
-            <a:r>
-              <a:rPr lang="en-GB" sz="1400" kern="1200" dirty="0">
-                <a:solidFill>
-                  <a:schemeClr val="tx1"/>
-                </a:solidFill>
-                <a:latin typeface="+mn-lt"/>
-                <a:ea typeface="+mn-ea"/>
-                <a:cs typeface="+mn-cs"/>
-              </a:rPr>
-              <a:t> resource or data location. Designate a data lake administrator as the first user of the Data </a:t>
-            </a:r>
-            <a:r>
-              <a:rPr lang="en-GB" sz="1400" kern="1200" dirty="0" err="1">
-                <a:solidFill>
-                  <a:schemeClr val="tx1"/>
-                </a:solidFill>
-                <a:latin typeface="+mn-lt"/>
-                <a:ea typeface="+mn-ea"/>
-                <a:cs typeface="+mn-cs"/>
-              </a:rPr>
-              <a:t>Catalog</a:t>
-            </a:r>
-            <a:r>
-              <a:rPr lang="en-GB" sz="1400" kern="1200" dirty="0">
-                <a:solidFill>
-                  <a:schemeClr val="tx1"/>
-                </a:solidFill>
-                <a:latin typeface="+mn-lt"/>
-                <a:ea typeface="+mn-ea"/>
-                <a:cs typeface="+mn-cs"/>
-              </a:rPr>
-              <a:t>. This user can then grant more granular permissions of resources to other principals.</a:t>
-            </a:r>
-            <a:endParaRPr lang="en-GB" sz="1400" b="0" dirty="0">
-              <a:effectLst/>
-            </a:endParaRPr>
-          </a:p>
-        </p:txBody>
-      </p:sp>
-    </p:spTree>
-    <p:extLst>
-      <p:ext uri="{BB962C8B-B14F-4D97-AF65-F5344CB8AC3E}">
-        <p14:creationId xmlns:p14="http://schemas.microsoft.com/office/powerpoint/2010/main" val="821245357"/>
-      </p:ext>
-    </p:extLst>
-  </p:cSld>
-  <p:clrMapOvr>
-    <a:masterClrMapping/>
-  </p:clrMapOvr>
-</p:sld>
-</file>
-
-<file path=ppt/slides/slide8.xml><?xml version="1.0" encoding="utf-8"?>
-<p:sld xmlns:a="http://schemas.openxmlformats.org/drawingml/2006/main" xmlns:r="http://schemas.openxmlformats.org/officeDocument/2006/relationships" xmlns:p="http://schemas.openxmlformats.org/presentationml/2006/main">
-  <p:cSld>
-    <p:bg>
-      <p:bgPr>
-        <a:solidFill>
-          <a:schemeClr val="bg1"/>
-        </a:solidFill>
-        <a:effectLst/>
-      </p:bgPr>
-    </p:bg>
-    <p:spTree>
-      <p:nvGrpSpPr>
-        <p:cNvPr id="1" name=""/>
-        <p:cNvGrpSpPr/>
-        <p:nvPr/>
-      </p:nvGrpSpPr>
-      <p:grpSpPr>
-        <a:xfrm>
-          <a:off x="0" y="0"/>
-          <a:ext cx="0" cy="0"/>
-          <a:chOff x="0" y="0"/>
-          <a:chExt cx="0" cy="0"/>
-        </a:xfrm>
-      </p:grpSpPr>
       <p:sp useBgFill="1">
         <p:nvSpPr>
           <p:cNvPr id="8" name="Rectangle 7">
@@ -10519,6 +8374,2258 @@
     <p:extLst>
       <p:ext uri="{BB962C8B-B14F-4D97-AF65-F5344CB8AC3E}">
         <p14:creationId xmlns:p14="http://schemas.microsoft.com/office/powerpoint/2010/main" val="2414720896"/>
+      </p:ext>
+    </p:extLst>
+  </p:cSld>
+  <p:clrMapOvr>
+    <a:masterClrMapping/>
+  </p:clrMapOvr>
+</p:sld>
+</file>
+
+<file path=ppt/slides/slide5.xml><?xml version="1.0" encoding="utf-8"?>
+<p:sld xmlns:a="http://schemas.openxmlformats.org/drawingml/2006/main" xmlns:r="http://schemas.openxmlformats.org/officeDocument/2006/relationships" xmlns:p="http://schemas.openxmlformats.org/presentationml/2006/main">
+  <p:cSld>
+    <p:spTree>
+      <p:nvGrpSpPr>
+        <p:cNvPr id="1" name=""/>
+        <p:cNvGrpSpPr/>
+        <p:nvPr/>
+      </p:nvGrpSpPr>
+      <p:grpSpPr>
+        <a:xfrm>
+          <a:off x="0" y="0"/>
+          <a:ext cx="0" cy="0"/>
+          <a:chOff x="0" y="0"/>
+          <a:chExt cx="0" cy="0"/>
+        </a:xfrm>
+      </p:grpSpPr>
+      <p:sp>
+        <p:nvSpPr>
+          <p:cNvPr id="2" name="Title 1">
+            <a:extLst>
+              <a:ext uri="{FF2B5EF4-FFF2-40B4-BE49-F238E27FC236}">
+                <a16:creationId xmlns:a16="http://schemas.microsoft.com/office/drawing/2014/main" id="{F14D73AF-C266-B393-5F89-BA8DECE98328}"/>
+              </a:ext>
+            </a:extLst>
+          </p:cNvPr>
+          <p:cNvSpPr>
+            <a:spLocks noGrp="1"/>
+          </p:cNvSpPr>
+          <p:nvPr>
+            <p:ph type="title"/>
+          </p:nvPr>
+        </p:nvSpPr>
+        <p:spPr/>
+        <p:txBody>
+          <a:bodyPr/>
+          <a:lstStyle/>
+          <a:p>
+            <a:endParaRPr lang="en-CH"/>
+          </a:p>
+        </p:txBody>
+      </p:sp>
+      <p:sp>
+        <p:nvSpPr>
+          <p:cNvPr id="3" name="Content Placeholder 2">
+            <a:extLst>
+              <a:ext uri="{FF2B5EF4-FFF2-40B4-BE49-F238E27FC236}">
+                <a16:creationId xmlns:a16="http://schemas.microsoft.com/office/drawing/2014/main" id="{4583BE53-47A2-5231-2D61-D9C87D2B43DD}"/>
+              </a:ext>
+            </a:extLst>
+          </p:cNvPr>
+          <p:cNvSpPr>
+            <a:spLocks noGrp="1"/>
+          </p:cNvSpPr>
+          <p:nvPr>
+            <p:ph idx="1"/>
+          </p:nvPr>
+        </p:nvSpPr>
+        <p:spPr/>
+        <p:txBody>
+          <a:bodyPr/>
+          <a:lstStyle/>
+          <a:p>
+            <a:endParaRPr lang="en-CH"/>
+          </a:p>
+        </p:txBody>
+      </p:sp>
+    </p:spTree>
+    <p:extLst>
+      <p:ext uri="{BB962C8B-B14F-4D97-AF65-F5344CB8AC3E}">
+        <p14:creationId xmlns:p14="http://schemas.microsoft.com/office/powerpoint/2010/main" val="2354667458"/>
+      </p:ext>
+    </p:extLst>
+  </p:cSld>
+  <p:clrMapOvr>
+    <a:masterClrMapping/>
+  </p:clrMapOvr>
+</p:sld>
+</file>
+
+<file path=ppt/slides/slide6.xml><?xml version="1.0" encoding="utf-8"?>
+<p:sld xmlns:a="http://schemas.openxmlformats.org/drawingml/2006/main" xmlns:r="http://schemas.openxmlformats.org/officeDocument/2006/relationships" xmlns:p="http://schemas.openxmlformats.org/presentationml/2006/main">
+  <p:cSld>
+    <p:bg>
+      <p:bgPr>
+        <a:solidFill>
+          <a:schemeClr val="bg1"/>
+        </a:solidFill>
+        <a:effectLst/>
+      </p:bgPr>
+    </p:bg>
+    <p:spTree>
+      <p:nvGrpSpPr>
+        <p:cNvPr id="1" name=""/>
+        <p:cNvGrpSpPr/>
+        <p:nvPr/>
+      </p:nvGrpSpPr>
+      <p:grpSpPr>
+        <a:xfrm>
+          <a:off x="0" y="0"/>
+          <a:ext cx="0" cy="0"/>
+          <a:chOff x="0" y="0"/>
+          <a:chExt cx="0" cy="0"/>
+        </a:xfrm>
+      </p:grpSpPr>
+      <p:sp>
+        <p:nvSpPr>
+          <p:cNvPr id="10" name="Rectangle 9">
+            <a:extLst>
+              <a:ext uri="{FF2B5EF4-FFF2-40B4-BE49-F238E27FC236}">
+                <a16:creationId xmlns:a16="http://schemas.microsoft.com/office/drawing/2014/main" id="{4C608BEB-860E-4094-8511-78603564A75E}"/>
+              </a:ext>
+              <a:ext uri="{C183D7F6-B498-43B3-948B-1728B52AA6E4}">
+                <adec:decorative xmlns:adec="http://schemas.microsoft.com/office/drawing/2017/decorative" val="1"/>
+              </a:ext>
+            </a:extLst>
+          </p:cNvPr>
+          <p:cNvSpPr>
+            <a:spLocks noGrp="1" noRot="1" noChangeAspect="1" noMove="1" noResize="1" noEditPoints="1" noAdjustHandles="1" noChangeArrowheads="1" noChangeShapeType="1" noTextEdit="1"/>
+          </p:cNvSpPr>
+          <p:nvPr>
+            <p:extLst>
+              <p:ext uri="{386F3935-93C4-4BCD-93E2-E3B085C9AB24}">
+                <p16:designElem xmlns:p16="http://schemas.microsoft.com/office/powerpoint/2015/main" val="1"/>
+              </p:ext>
+            </p:extLst>
+          </p:nvPr>
+        </p:nvSpPr>
+        <p:spPr>
+          <a:xfrm>
+            <a:off x="0" y="0"/>
+            <a:ext cx="4059050" cy="6858000"/>
+          </a:xfrm>
+          <a:prstGeom prst="rect">
+            <a:avLst/>
+          </a:prstGeom>
+          <a:solidFill>
+            <a:srgbClr val="404040"/>
+          </a:solidFill>
+          <a:ln>
+            <a:noFill/>
+          </a:ln>
+        </p:spPr>
+        <p:style>
+          <a:lnRef idx="2">
+            <a:schemeClr val="accent1">
+              <a:shade val="50000"/>
+            </a:schemeClr>
+          </a:lnRef>
+          <a:fillRef idx="1">
+            <a:schemeClr val="accent1"/>
+          </a:fillRef>
+          <a:effectRef idx="0">
+            <a:schemeClr val="accent1"/>
+          </a:effectRef>
+          <a:fontRef idx="minor">
+            <a:schemeClr val="lt1"/>
+          </a:fontRef>
+        </p:style>
+        <p:txBody>
+          <a:bodyPr rtlCol="0" anchor="ctr"/>
+          <a:lstStyle/>
+          <a:p>
+            <a:pPr marL="0" marR="0" lvl="0" indent="0" algn="ctr" defTabSz="914400" rtl="0" eaLnBrk="1" fontAlgn="auto" latinLnBrk="0" hangingPunct="1">
+              <a:lnSpc>
+                <a:spcPct val="100000"/>
+              </a:lnSpc>
+              <a:spcBef>
+                <a:spcPts val="0"/>
+              </a:spcBef>
+              <a:spcAft>
+                <a:spcPts val="0"/>
+              </a:spcAft>
+              <a:buClrTx/>
+              <a:buSzTx/>
+              <a:buFontTx/>
+              <a:buNone/>
+              <a:tabLst/>
+              <a:defRPr/>
+            </a:pPr>
+            <a:endParaRPr kumimoji="0" lang="en-US" sz="1800" b="0" i="0" u="none" strike="noStrike" kern="1200" cap="none" spc="0" normalizeH="0" baseline="0" noProof="0">
+              <a:ln>
+                <a:noFill/>
+              </a:ln>
+              <a:solidFill>
+                <a:prstClr val="white"/>
+              </a:solidFill>
+              <a:effectLst/>
+              <a:uLnTx/>
+              <a:uFillTx/>
+              <a:latin typeface="Calibri" panose="020F0502020204030204"/>
+              <a:ea typeface="+mn-ea"/>
+              <a:cs typeface="+mn-cs"/>
+            </a:endParaRPr>
+          </a:p>
+        </p:txBody>
+      </p:sp>
+      <p:sp>
+        <p:nvSpPr>
+          <p:cNvPr id="2" name="Title 1">
+            <a:extLst>
+              <a:ext uri="{FF2B5EF4-FFF2-40B4-BE49-F238E27FC236}">
+                <a16:creationId xmlns:a16="http://schemas.microsoft.com/office/drawing/2014/main" id="{78E9A842-121A-2DF1-95E8-EA4FB2926445}"/>
+              </a:ext>
+            </a:extLst>
+          </p:cNvPr>
+          <p:cNvSpPr>
+            <a:spLocks noGrp="1"/>
+          </p:cNvSpPr>
+          <p:nvPr>
+            <p:ph type="title"/>
+          </p:nvPr>
+        </p:nvSpPr>
+        <p:spPr>
+          <a:xfrm>
+            <a:off x="838200" y="1412488"/>
+            <a:ext cx="2899189" cy="4363844"/>
+          </a:xfrm>
+        </p:spPr>
+        <p:txBody>
+          <a:bodyPr vert="horz" lIns="91440" tIns="45720" rIns="91440" bIns="45720" rtlCol="0" anchor="t">
+            <a:normAutofit/>
+          </a:bodyPr>
+          <a:lstStyle/>
+          <a:p>
+            <a:r>
+              <a:rPr lang="en-US" sz="4000" kern="1200">
+                <a:solidFill>
+                  <a:srgbClr val="FFFFFF"/>
+                </a:solidFill>
+                <a:latin typeface="+mj-lt"/>
+                <a:ea typeface="+mj-ea"/>
+                <a:cs typeface="+mj-cs"/>
+              </a:rPr>
+              <a:t>AWS </a:t>
+            </a:r>
+            <a:r>
+              <a:rPr lang="en-US" sz="4000" b="0" i="0" kern="1200">
+                <a:solidFill>
+                  <a:srgbClr val="FFFFFF"/>
+                </a:solidFill>
+                <a:effectLst/>
+                <a:latin typeface="+mj-lt"/>
+                <a:ea typeface="+mj-ea"/>
+                <a:cs typeface="+mj-cs"/>
+              </a:rPr>
+              <a:t>Lake Formation terminology</a:t>
+            </a:r>
+            <a:endParaRPr lang="en-US" sz="4000" kern="1200">
+              <a:solidFill>
+                <a:srgbClr val="FFFFFF"/>
+              </a:solidFill>
+              <a:latin typeface="+mj-lt"/>
+              <a:ea typeface="+mj-ea"/>
+              <a:cs typeface="+mj-cs"/>
+            </a:endParaRPr>
+          </a:p>
+        </p:txBody>
+      </p:sp>
+      <p:sp>
+        <p:nvSpPr>
+          <p:cNvPr id="3" name="Content Placeholder 2">
+            <a:extLst>
+              <a:ext uri="{FF2B5EF4-FFF2-40B4-BE49-F238E27FC236}">
+                <a16:creationId xmlns:a16="http://schemas.microsoft.com/office/drawing/2014/main" id="{C4690575-4A6F-9513-4848-A61F9EBFE405}"/>
+              </a:ext>
+            </a:extLst>
+          </p:cNvPr>
+          <p:cNvSpPr>
+            <a:spLocks noGrp="1"/>
+          </p:cNvSpPr>
+          <p:nvPr>
+            <p:ph idx="1"/>
+          </p:nvPr>
+        </p:nvSpPr>
+        <p:spPr>
+          <a:xfrm>
+            <a:off x="4380855" y="1412489"/>
+            <a:ext cx="3427283" cy="4363844"/>
+          </a:xfrm>
+        </p:spPr>
+        <p:txBody>
+          <a:bodyPr vert="horz" lIns="91440" tIns="45720" rIns="91440" bIns="45720" rtlCol="0">
+            <a:normAutofit/>
+          </a:bodyPr>
+          <a:lstStyle/>
+          <a:p>
+            <a:r>
+              <a:rPr lang="en-US" sz="1700" b="1" i="0" dirty="0">
+                <a:effectLst/>
+                <a:highlight>
+                  <a:srgbClr val="FFFF00"/>
+                </a:highlight>
+              </a:rPr>
+              <a:t>Data lake</a:t>
+            </a:r>
+          </a:p>
+          <a:p>
+            <a:r>
+              <a:rPr lang="en-US" sz="1700" b="0" i="0" dirty="0">
+                <a:effectLst/>
+              </a:rPr>
+              <a:t>The </a:t>
+            </a:r>
+            <a:r>
+              <a:rPr lang="en-US" sz="1700" b="0" i="1" dirty="0">
+                <a:effectLst/>
+              </a:rPr>
+              <a:t>data lake</a:t>
+            </a:r>
+            <a:r>
+              <a:rPr lang="en-US" sz="1700" b="0" i="0" dirty="0">
+                <a:effectLst/>
+              </a:rPr>
+              <a:t> is your persistent data that is stored in Amazon S3 and managed by Lake Formation using a Data Catalog. A data lake typically stores the following:</a:t>
+            </a:r>
+          </a:p>
+          <a:p>
+            <a:r>
+              <a:rPr lang="en-US" sz="1700" b="0" i="0" dirty="0">
+                <a:effectLst/>
+              </a:rPr>
+              <a:t>Structured and unstructured data</a:t>
+            </a:r>
+          </a:p>
+          <a:p>
+            <a:r>
+              <a:rPr lang="en-US" sz="1700" b="0" i="0" dirty="0">
+                <a:effectLst/>
+              </a:rPr>
+              <a:t>Raw data and transformed data</a:t>
+            </a:r>
+          </a:p>
+          <a:p>
+            <a:r>
+              <a:rPr lang="en-US" sz="1700" b="0" i="0" dirty="0">
+                <a:effectLst/>
+              </a:rPr>
+              <a:t>For an Amazon S3 path to be within a data lake, it must be </a:t>
+            </a:r>
+            <a:r>
+              <a:rPr lang="en-US" sz="1700" b="0" i="1" dirty="0">
+                <a:effectLst/>
+              </a:rPr>
+              <a:t>registered</a:t>
+            </a:r>
+            <a:r>
+              <a:rPr lang="en-US" sz="1700" b="0" i="0" dirty="0">
+                <a:effectLst/>
+              </a:rPr>
+              <a:t> with Lake Formation.</a:t>
+            </a:r>
+          </a:p>
+        </p:txBody>
+      </p:sp>
+      <p:cxnSp>
+        <p:nvCxnSpPr>
+          <p:cNvPr id="12" name="Straight Connector 11">
+            <a:extLst>
+              <a:ext uri="{FF2B5EF4-FFF2-40B4-BE49-F238E27FC236}">
+                <a16:creationId xmlns:a16="http://schemas.microsoft.com/office/drawing/2014/main" id="{1F16A8D4-FE87-4604-88B2-394B5D1EB437}"/>
+              </a:ext>
+              <a:ext uri="{C183D7F6-B498-43B3-948B-1728B52AA6E4}">
+                <adec:decorative xmlns:adec="http://schemas.microsoft.com/office/drawing/2017/decorative" val="1"/>
+              </a:ext>
+            </a:extLst>
+          </p:cNvPr>
+          <p:cNvCxnSpPr>
+            <a:cxnSpLocks noGrp="1" noRot="1" noChangeAspect="1" noMove="1" noResize="1" noEditPoints="1" noAdjustHandles="1" noChangeArrowheads="1" noChangeShapeType="1"/>
+          </p:cNvCxnSpPr>
+          <p:nvPr>
+            <p:extLst>
+              <p:ext uri="{386F3935-93C4-4BCD-93E2-E3B085C9AB24}">
+                <p16:designElem xmlns:p16="http://schemas.microsoft.com/office/powerpoint/2015/main" val="1"/>
+              </p:ext>
+            </p:extLst>
+          </p:nvPr>
+        </p:nvCxnSpPr>
+        <p:spPr>
+          <a:xfrm>
+            <a:off x="8129871" y="1412488"/>
+            <a:ext cx="0" cy="3657600"/>
+          </a:xfrm>
+          <a:prstGeom prst="line">
+            <a:avLst/>
+          </a:prstGeom>
+          <a:ln w="12700">
+            <a:solidFill>
+              <a:schemeClr val="tx1">
+                <a:lumMod val="50000"/>
+                <a:lumOff val="50000"/>
+              </a:schemeClr>
+            </a:solidFill>
+          </a:ln>
+        </p:spPr>
+        <p:style>
+          <a:lnRef idx="1">
+            <a:schemeClr val="accent1"/>
+          </a:lnRef>
+          <a:fillRef idx="0">
+            <a:schemeClr val="accent1"/>
+          </a:fillRef>
+          <a:effectRef idx="0">
+            <a:schemeClr val="accent1"/>
+          </a:effectRef>
+          <a:fontRef idx="minor">
+            <a:schemeClr val="tx1"/>
+          </a:fontRef>
+        </p:style>
+      </p:cxnSp>
+      <p:sp>
+        <p:nvSpPr>
+          <p:cNvPr id="5" name="TextBox 4">
+            <a:extLst>
+              <a:ext uri="{FF2B5EF4-FFF2-40B4-BE49-F238E27FC236}">
+                <a16:creationId xmlns:a16="http://schemas.microsoft.com/office/drawing/2014/main" id="{BAC704A9-C769-1C54-B652-F0037EFE7E02}"/>
+              </a:ext>
+            </a:extLst>
+          </p:cNvPr>
+          <p:cNvSpPr txBox="1"/>
+          <p:nvPr/>
+        </p:nvSpPr>
+        <p:spPr>
+          <a:xfrm>
+            <a:off x="8451604" y="1412489"/>
+            <a:ext cx="3197701" cy="4363844"/>
+          </a:xfrm>
+          <a:prstGeom prst="rect">
+            <a:avLst/>
+          </a:prstGeom>
+        </p:spPr>
+        <p:txBody>
+          <a:bodyPr vert="horz" lIns="91440" tIns="45720" rIns="91440" bIns="45720" rtlCol="0">
+            <a:normAutofit/>
+          </a:bodyPr>
+          <a:lstStyle/>
+          <a:p>
+            <a:pPr indent="-228600">
+              <a:lnSpc>
+                <a:spcPct val="90000"/>
+              </a:lnSpc>
+              <a:spcAft>
+                <a:spcPts val="600"/>
+              </a:spcAft>
+              <a:buFont typeface="Arial" panose="020B0604020202020204" pitchFamily="34" charset="0"/>
+              <a:buChar char="•"/>
+            </a:pPr>
+            <a:r>
+              <a:rPr lang="en-US" sz="1600" b="1" i="0" dirty="0">
+                <a:effectLst/>
+                <a:highlight>
+                  <a:srgbClr val="FFFF00"/>
+                </a:highlight>
+              </a:rPr>
+              <a:t>Data access</a:t>
+            </a:r>
+          </a:p>
+          <a:p>
+            <a:pPr indent="-228600">
+              <a:lnSpc>
+                <a:spcPct val="90000"/>
+              </a:lnSpc>
+              <a:spcAft>
+                <a:spcPts val="600"/>
+              </a:spcAft>
+              <a:buFont typeface="Arial" panose="020B0604020202020204" pitchFamily="34" charset="0"/>
+              <a:buChar char="•"/>
+            </a:pPr>
+            <a:r>
+              <a:rPr lang="en-US" sz="1600" b="0" i="0" dirty="0">
+                <a:effectLst/>
+              </a:rPr>
+              <a:t>Lake Formation provides secure and granular access to data through a new grant/revoke permissions model that augments AWS Identity and Access Management (IAM) policies.</a:t>
+            </a:r>
+          </a:p>
+          <a:p>
+            <a:pPr indent="-228600">
+              <a:lnSpc>
+                <a:spcPct val="90000"/>
+              </a:lnSpc>
+              <a:spcAft>
+                <a:spcPts val="600"/>
+              </a:spcAft>
+              <a:buFont typeface="Arial" panose="020B0604020202020204" pitchFamily="34" charset="0"/>
+              <a:buChar char="•"/>
+            </a:pPr>
+            <a:r>
+              <a:rPr lang="en-US" sz="1600" b="0" i="0" dirty="0">
+                <a:effectLst/>
+              </a:rPr>
+              <a:t>Analysts and data scientists can use the full portfolio of AWS analytic and machine learning services, such as Amazon Athena, to access the data. The configured Lake Formation security policies help ensure that users can access only the data that they are authorized to access.</a:t>
+            </a:r>
+          </a:p>
+        </p:txBody>
+      </p:sp>
+    </p:spTree>
+    <p:extLst>
+      <p:ext uri="{BB962C8B-B14F-4D97-AF65-F5344CB8AC3E}">
+        <p14:creationId xmlns:p14="http://schemas.microsoft.com/office/powerpoint/2010/main" val="3668117711"/>
+      </p:ext>
+    </p:extLst>
+  </p:cSld>
+  <p:clrMapOvr>
+    <a:masterClrMapping/>
+  </p:clrMapOvr>
+</p:sld>
+</file>
+
+<file path=ppt/slides/slide7.xml><?xml version="1.0" encoding="utf-8"?>
+<p:sld xmlns:a="http://schemas.openxmlformats.org/drawingml/2006/main" xmlns:r="http://schemas.openxmlformats.org/officeDocument/2006/relationships" xmlns:p="http://schemas.openxmlformats.org/presentationml/2006/main">
+  <p:cSld>
+    <p:bg>
+      <p:bgPr>
+        <a:solidFill>
+          <a:schemeClr val="bg1"/>
+        </a:solidFill>
+        <a:effectLst/>
+      </p:bgPr>
+    </p:bg>
+    <p:spTree>
+      <p:nvGrpSpPr>
+        <p:cNvPr id="1" name=""/>
+        <p:cNvGrpSpPr/>
+        <p:nvPr/>
+      </p:nvGrpSpPr>
+      <p:grpSpPr>
+        <a:xfrm>
+          <a:off x="0" y="0"/>
+          <a:ext cx="0" cy="0"/>
+          <a:chOff x="0" y="0"/>
+          <a:chExt cx="0" cy="0"/>
+        </a:xfrm>
+      </p:grpSpPr>
+      <p:sp>
+        <p:nvSpPr>
+          <p:cNvPr id="10" name="Rectangle 9">
+            <a:extLst>
+              <a:ext uri="{FF2B5EF4-FFF2-40B4-BE49-F238E27FC236}">
+                <a16:creationId xmlns:a16="http://schemas.microsoft.com/office/drawing/2014/main" id="{4C608BEB-860E-4094-8511-78603564A75E}"/>
+              </a:ext>
+              <a:ext uri="{C183D7F6-B498-43B3-948B-1728B52AA6E4}">
+                <adec:decorative xmlns:adec="http://schemas.microsoft.com/office/drawing/2017/decorative" val="1"/>
+              </a:ext>
+            </a:extLst>
+          </p:cNvPr>
+          <p:cNvSpPr>
+            <a:spLocks noGrp="1" noRot="1" noChangeAspect="1" noMove="1" noResize="1" noEditPoints="1" noAdjustHandles="1" noChangeArrowheads="1" noChangeShapeType="1" noTextEdit="1"/>
+          </p:cNvSpPr>
+          <p:nvPr>
+            <p:extLst>
+              <p:ext uri="{386F3935-93C4-4BCD-93E2-E3B085C9AB24}">
+                <p16:designElem xmlns:p16="http://schemas.microsoft.com/office/powerpoint/2015/main" val="1"/>
+              </p:ext>
+            </p:extLst>
+          </p:nvPr>
+        </p:nvSpPr>
+        <p:spPr>
+          <a:xfrm>
+            <a:off x="0" y="0"/>
+            <a:ext cx="4059050" cy="6858000"/>
+          </a:xfrm>
+          <a:prstGeom prst="rect">
+            <a:avLst/>
+          </a:prstGeom>
+          <a:solidFill>
+            <a:srgbClr val="404040"/>
+          </a:solidFill>
+          <a:ln>
+            <a:noFill/>
+          </a:ln>
+        </p:spPr>
+        <p:style>
+          <a:lnRef idx="2">
+            <a:schemeClr val="accent1">
+              <a:shade val="50000"/>
+            </a:schemeClr>
+          </a:lnRef>
+          <a:fillRef idx="1">
+            <a:schemeClr val="accent1"/>
+          </a:fillRef>
+          <a:effectRef idx="0">
+            <a:schemeClr val="accent1"/>
+          </a:effectRef>
+          <a:fontRef idx="minor">
+            <a:schemeClr val="lt1"/>
+          </a:fontRef>
+        </p:style>
+        <p:txBody>
+          <a:bodyPr rtlCol="0" anchor="ctr"/>
+          <a:lstStyle/>
+          <a:p>
+            <a:pPr marL="0" marR="0" lvl="0" indent="0" algn="ctr" defTabSz="914400" rtl="0" eaLnBrk="1" fontAlgn="auto" latinLnBrk="0" hangingPunct="1">
+              <a:lnSpc>
+                <a:spcPct val="100000"/>
+              </a:lnSpc>
+              <a:spcBef>
+                <a:spcPts val="0"/>
+              </a:spcBef>
+              <a:spcAft>
+                <a:spcPts val="0"/>
+              </a:spcAft>
+              <a:buClrTx/>
+              <a:buSzTx/>
+              <a:buFontTx/>
+              <a:buNone/>
+              <a:tabLst/>
+              <a:defRPr/>
+            </a:pPr>
+            <a:endParaRPr kumimoji="0" lang="en-US" sz="1800" b="0" i="0" u="none" strike="noStrike" kern="1200" cap="none" spc="0" normalizeH="0" baseline="0" noProof="0">
+              <a:ln>
+                <a:noFill/>
+              </a:ln>
+              <a:solidFill>
+                <a:prstClr val="white"/>
+              </a:solidFill>
+              <a:effectLst/>
+              <a:uLnTx/>
+              <a:uFillTx/>
+              <a:latin typeface="Calibri" panose="020F0502020204030204"/>
+              <a:ea typeface="+mn-ea"/>
+              <a:cs typeface="+mn-cs"/>
+            </a:endParaRPr>
+          </a:p>
+        </p:txBody>
+      </p:sp>
+      <p:sp>
+        <p:nvSpPr>
+          <p:cNvPr id="2" name="Title 1">
+            <a:extLst>
+              <a:ext uri="{FF2B5EF4-FFF2-40B4-BE49-F238E27FC236}">
+                <a16:creationId xmlns:a16="http://schemas.microsoft.com/office/drawing/2014/main" id="{78E9A842-121A-2DF1-95E8-EA4FB2926445}"/>
+              </a:ext>
+            </a:extLst>
+          </p:cNvPr>
+          <p:cNvSpPr>
+            <a:spLocks noGrp="1"/>
+          </p:cNvSpPr>
+          <p:nvPr>
+            <p:ph type="title"/>
+          </p:nvPr>
+        </p:nvSpPr>
+        <p:spPr>
+          <a:xfrm>
+            <a:off x="838200" y="1412488"/>
+            <a:ext cx="2899189" cy="4363844"/>
+          </a:xfrm>
+        </p:spPr>
+        <p:txBody>
+          <a:bodyPr vert="horz" lIns="91440" tIns="45720" rIns="91440" bIns="45720" rtlCol="0" anchor="t">
+            <a:normAutofit/>
+          </a:bodyPr>
+          <a:lstStyle/>
+          <a:p>
+            <a:r>
+              <a:rPr lang="en-US" sz="4000" kern="1200">
+                <a:solidFill>
+                  <a:srgbClr val="FFFFFF"/>
+                </a:solidFill>
+                <a:latin typeface="+mj-lt"/>
+                <a:ea typeface="+mj-ea"/>
+                <a:cs typeface="+mj-cs"/>
+              </a:rPr>
+              <a:t>AWS </a:t>
+            </a:r>
+            <a:r>
+              <a:rPr lang="en-US" sz="4000" b="0" i="0" kern="1200">
+                <a:solidFill>
+                  <a:srgbClr val="FFFFFF"/>
+                </a:solidFill>
+                <a:effectLst/>
+                <a:latin typeface="+mj-lt"/>
+                <a:ea typeface="+mj-ea"/>
+                <a:cs typeface="+mj-cs"/>
+              </a:rPr>
+              <a:t>Lake Formation terminology</a:t>
+            </a:r>
+            <a:endParaRPr lang="en-US" sz="4000" kern="1200">
+              <a:solidFill>
+                <a:srgbClr val="FFFFFF"/>
+              </a:solidFill>
+              <a:latin typeface="+mj-lt"/>
+              <a:ea typeface="+mj-ea"/>
+              <a:cs typeface="+mj-cs"/>
+            </a:endParaRPr>
+          </a:p>
+        </p:txBody>
+      </p:sp>
+      <p:sp>
+        <p:nvSpPr>
+          <p:cNvPr id="3" name="Content Placeholder 2">
+            <a:extLst>
+              <a:ext uri="{FF2B5EF4-FFF2-40B4-BE49-F238E27FC236}">
+                <a16:creationId xmlns:a16="http://schemas.microsoft.com/office/drawing/2014/main" id="{C4690575-4A6F-9513-4848-A61F9EBFE405}"/>
+              </a:ext>
+            </a:extLst>
+          </p:cNvPr>
+          <p:cNvSpPr>
+            <a:spLocks noGrp="1"/>
+          </p:cNvSpPr>
+          <p:nvPr>
+            <p:ph idx="1"/>
+          </p:nvPr>
+        </p:nvSpPr>
+        <p:spPr>
+          <a:xfrm>
+            <a:off x="4380855" y="1412489"/>
+            <a:ext cx="3427283" cy="4363844"/>
+          </a:xfrm>
+        </p:spPr>
+        <p:txBody>
+          <a:bodyPr vert="horz" lIns="91440" tIns="45720" rIns="91440" bIns="45720" rtlCol="0">
+            <a:normAutofit/>
+          </a:bodyPr>
+          <a:lstStyle/>
+          <a:p>
+            <a:r>
+              <a:rPr lang="en-US" sz="2000" b="1" i="0" dirty="0">
+                <a:effectLst/>
+                <a:highlight>
+                  <a:srgbClr val="FFFF00"/>
+                </a:highlight>
+              </a:rPr>
+              <a:t>Blueprint</a:t>
+            </a:r>
+            <a:endParaRPr lang="en-US" sz="1600" b="1" i="0" dirty="0">
+              <a:effectLst/>
+              <a:highlight>
+                <a:srgbClr val="FFFF00"/>
+              </a:highlight>
+            </a:endParaRPr>
+          </a:p>
+          <a:p>
+            <a:r>
+              <a:rPr lang="en-US" sz="1600" b="0" i="0" dirty="0">
+                <a:effectLst/>
+              </a:rPr>
+              <a:t>A </a:t>
+            </a:r>
+            <a:r>
+              <a:rPr lang="en-US" sz="1600" b="0" i="1" dirty="0">
+                <a:effectLst/>
+              </a:rPr>
+              <a:t>blueprint</a:t>
+            </a:r>
+            <a:r>
+              <a:rPr lang="en-US" sz="1600" b="0" i="0" dirty="0">
+                <a:effectLst/>
+              </a:rPr>
+              <a:t> is a data management template that enables you to easily ingest data into a data lake. Lake Formation provides several blueprints, each for a predefined source type, such as a relational database or AWS CloudTrail logs. From a blueprint, you can create a workflow. Workflows consist of AWS Glue crawlers, jobs, and triggers that are generated to orchestrate the loading and update of data. Blueprints take the data source, data target, and schedule as input to configure the workflow.</a:t>
+            </a:r>
+          </a:p>
+        </p:txBody>
+      </p:sp>
+      <p:cxnSp>
+        <p:nvCxnSpPr>
+          <p:cNvPr id="12" name="Straight Connector 11">
+            <a:extLst>
+              <a:ext uri="{FF2B5EF4-FFF2-40B4-BE49-F238E27FC236}">
+                <a16:creationId xmlns:a16="http://schemas.microsoft.com/office/drawing/2014/main" id="{1F16A8D4-FE87-4604-88B2-394B5D1EB437}"/>
+              </a:ext>
+              <a:ext uri="{C183D7F6-B498-43B3-948B-1728B52AA6E4}">
+                <adec:decorative xmlns:adec="http://schemas.microsoft.com/office/drawing/2017/decorative" val="1"/>
+              </a:ext>
+            </a:extLst>
+          </p:cNvPr>
+          <p:cNvCxnSpPr>
+            <a:cxnSpLocks noGrp="1" noRot="1" noChangeAspect="1" noMove="1" noResize="1" noEditPoints="1" noAdjustHandles="1" noChangeArrowheads="1" noChangeShapeType="1"/>
+          </p:cNvCxnSpPr>
+          <p:nvPr>
+            <p:extLst>
+              <p:ext uri="{386F3935-93C4-4BCD-93E2-E3B085C9AB24}">
+                <p16:designElem xmlns:p16="http://schemas.microsoft.com/office/powerpoint/2015/main" val="1"/>
+              </p:ext>
+            </p:extLst>
+          </p:nvPr>
+        </p:nvCxnSpPr>
+        <p:spPr>
+          <a:xfrm>
+            <a:off x="8129871" y="1412488"/>
+            <a:ext cx="0" cy="3657600"/>
+          </a:xfrm>
+          <a:prstGeom prst="line">
+            <a:avLst/>
+          </a:prstGeom>
+          <a:ln w="12700">
+            <a:solidFill>
+              <a:schemeClr val="tx1">
+                <a:lumMod val="50000"/>
+                <a:lumOff val="50000"/>
+              </a:schemeClr>
+            </a:solidFill>
+          </a:ln>
+        </p:spPr>
+        <p:style>
+          <a:lnRef idx="1">
+            <a:schemeClr val="accent1"/>
+          </a:lnRef>
+          <a:fillRef idx="0">
+            <a:schemeClr val="accent1"/>
+          </a:fillRef>
+          <a:effectRef idx="0">
+            <a:schemeClr val="accent1"/>
+          </a:effectRef>
+          <a:fontRef idx="minor">
+            <a:schemeClr val="tx1"/>
+          </a:fontRef>
+        </p:style>
+      </p:cxnSp>
+      <p:sp>
+        <p:nvSpPr>
+          <p:cNvPr id="5" name="TextBox 4">
+            <a:extLst>
+              <a:ext uri="{FF2B5EF4-FFF2-40B4-BE49-F238E27FC236}">
+                <a16:creationId xmlns:a16="http://schemas.microsoft.com/office/drawing/2014/main" id="{BAC704A9-C769-1C54-B652-F0037EFE7E02}"/>
+              </a:ext>
+            </a:extLst>
+          </p:cNvPr>
+          <p:cNvSpPr txBox="1"/>
+          <p:nvPr/>
+        </p:nvSpPr>
+        <p:spPr>
+          <a:xfrm>
+            <a:off x="8451604" y="1412489"/>
+            <a:ext cx="3197701" cy="4363844"/>
+          </a:xfrm>
+          <a:prstGeom prst="rect">
+            <a:avLst/>
+          </a:prstGeom>
+        </p:spPr>
+        <p:txBody>
+          <a:bodyPr vert="horz" lIns="91440" tIns="45720" rIns="91440" bIns="45720" rtlCol="0">
+            <a:normAutofit lnSpcReduction="10000"/>
+          </a:bodyPr>
+          <a:lstStyle/>
+          <a:p>
+            <a:pPr indent="-228600">
+              <a:lnSpc>
+                <a:spcPct val="90000"/>
+              </a:lnSpc>
+              <a:spcAft>
+                <a:spcPts val="600"/>
+              </a:spcAft>
+              <a:buFont typeface="Arial" panose="020B0604020202020204" pitchFamily="34" charset="0"/>
+              <a:buChar char="•"/>
+            </a:pPr>
+            <a:r>
+              <a:rPr lang="en-US" sz="2000" b="1" i="0" dirty="0">
+                <a:effectLst/>
+                <a:highlight>
+                  <a:srgbClr val="FFFF00"/>
+                </a:highlight>
+              </a:rPr>
+              <a:t>Workflow</a:t>
+            </a:r>
+            <a:endParaRPr lang="en-US" sz="1400" b="1" i="0" dirty="0">
+              <a:effectLst/>
+              <a:highlight>
+                <a:srgbClr val="FFFF00"/>
+              </a:highlight>
+            </a:endParaRPr>
+          </a:p>
+          <a:p>
+            <a:pPr indent="-228600">
+              <a:lnSpc>
+                <a:spcPct val="90000"/>
+              </a:lnSpc>
+              <a:spcAft>
+                <a:spcPts val="600"/>
+              </a:spcAft>
+              <a:buFont typeface="Arial" panose="020B0604020202020204" pitchFamily="34" charset="0"/>
+              <a:buChar char="•"/>
+            </a:pPr>
+            <a:r>
+              <a:rPr lang="en-US" sz="1600" b="0" i="0" dirty="0">
+                <a:effectLst/>
+              </a:rPr>
+              <a:t>A </a:t>
+            </a:r>
+            <a:r>
+              <a:rPr lang="en-US" sz="1600" b="0" i="1" dirty="0">
+                <a:effectLst/>
+              </a:rPr>
+              <a:t>workflow</a:t>
+            </a:r>
+            <a:r>
+              <a:rPr lang="en-US" sz="1600" b="0" i="0" dirty="0">
+                <a:effectLst/>
+              </a:rPr>
+              <a:t> is a container for a set of related AWS Glue jobs, crawlers, and triggers. You create the workflow in Lake Formation, and it executes in the AWS Glue service. Lake Formation can track the status of a workflow as a single entity.</a:t>
+            </a:r>
+          </a:p>
+          <a:p>
+            <a:pPr indent="-228600">
+              <a:lnSpc>
+                <a:spcPct val="90000"/>
+              </a:lnSpc>
+              <a:spcAft>
+                <a:spcPts val="600"/>
+              </a:spcAft>
+              <a:buFont typeface="Arial" panose="020B0604020202020204" pitchFamily="34" charset="0"/>
+              <a:buChar char="•"/>
+            </a:pPr>
+            <a:r>
+              <a:rPr lang="en-US" sz="1600" b="0" i="0" dirty="0">
+                <a:effectLst/>
+              </a:rPr>
+              <a:t>When you define a workflow, you select the blueprint upon which it is based. You can then run workflows on demand or on a schedule.</a:t>
+            </a:r>
+          </a:p>
+          <a:p>
+            <a:pPr indent="-228600">
+              <a:lnSpc>
+                <a:spcPct val="90000"/>
+              </a:lnSpc>
+              <a:spcAft>
+                <a:spcPts val="600"/>
+              </a:spcAft>
+              <a:buFont typeface="Arial" panose="020B0604020202020204" pitchFamily="34" charset="0"/>
+              <a:buChar char="•"/>
+            </a:pPr>
+            <a:r>
+              <a:rPr lang="en-US" sz="1600" b="0" i="0" dirty="0">
+                <a:effectLst/>
+              </a:rPr>
+              <a:t>Workflows that you create in Lake Formation are visible in the AWS Glue console as a directed acyclic graph (DAG). Using the DAG, you can track the progress of the workflow and perform troubleshooting.</a:t>
+            </a:r>
+          </a:p>
+        </p:txBody>
+      </p:sp>
+    </p:spTree>
+    <p:extLst>
+      <p:ext uri="{BB962C8B-B14F-4D97-AF65-F5344CB8AC3E}">
+        <p14:creationId xmlns:p14="http://schemas.microsoft.com/office/powerpoint/2010/main" val="1322125762"/>
+      </p:ext>
+    </p:extLst>
+  </p:cSld>
+  <p:clrMapOvr>
+    <a:masterClrMapping/>
+  </p:clrMapOvr>
+</p:sld>
+</file>
+
+<file path=ppt/slides/slide8.xml><?xml version="1.0" encoding="utf-8"?>
+<p:sld xmlns:a="http://schemas.openxmlformats.org/drawingml/2006/main" xmlns:r="http://schemas.openxmlformats.org/officeDocument/2006/relationships" xmlns:p="http://schemas.openxmlformats.org/presentationml/2006/main">
+  <p:cSld>
+    <p:bg>
+      <p:bgPr>
+        <a:solidFill>
+          <a:schemeClr val="bg1"/>
+        </a:solidFill>
+        <a:effectLst/>
+      </p:bgPr>
+    </p:bg>
+    <p:spTree>
+      <p:nvGrpSpPr>
+        <p:cNvPr id="1" name=""/>
+        <p:cNvGrpSpPr/>
+        <p:nvPr/>
+      </p:nvGrpSpPr>
+      <p:grpSpPr>
+        <a:xfrm>
+          <a:off x="0" y="0"/>
+          <a:ext cx="0" cy="0"/>
+          <a:chOff x="0" y="0"/>
+          <a:chExt cx="0" cy="0"/>
+        </a:xfrm>
+      </p:grpSpPr>
+      <p:sp useBgFill="1">
+        <p:nvSpPr>
+          <p:cNvPr id="12" name="Rectangle 11">
+            <a:extLst>
+              <a:ext uri="{FF2B5EF4-FFF2-40B4-BE49-F238E27FC236}">
+                <a16:creationId xmlns:a16="http://schemas.microsoft.com/office/drawing/2014/main" id="{BACC6370-2D7E-4714-9D71-7542949D7D5D}"/>
+              </a:ext>
+              <a:ext uri="{C183D7F6-B498-43B3-948B-1728B52AA6E4}">
+                <adec:decorative xmlns:adec="http://schemas.microsoft.com/office/drawing/2017/decorative" val="1"/>
+              </a:ext>
+            </a:extLst>
+          </p:cNvPr>
+          <p:cNvSpPr>
+            <a:spLocks noGrp="1" noRot="1" noChangeAspect="1" noMove="1" noResize="1" noEditPoints="1" noAdjustHandles="1" noChangeArrowheads="1" noChangeShapeType="1" noTextEdit="1"/>
+          </p:cNvSpPr>
+          <p:nvPr>
+            <p:extLst>
+              <p:ext uri="{386F3935-93C4-4BCD-93E2-E3B085C9AB24}">
+                <p16:designElem xmlns:p16="http://schemas.microsoft.com/office/powerpoint/2015/main" val="1"/>
+              </p:ext>
+            </p:extLst>
+          </p:nvPr>
+        </p:nvSpPr>
+        <p:spPr>
+          <a:xfrm>
+            <a:off x="0" y="0"/>
+            <a:ext cx="12192000" cy="6858000"/>
+          </a:xfrm>
+          <a:prstGeom prst="rect">
+            <a:avLst/>
+          </a:prstGeom>
+          <a:ln w="12700" cap="flat" cmpd="sng" algn="ctr">
+            <a:noFill/>
+            <a:prstDash val="solid"/>
+            <a:miter lim="800000"/>
+          </a:ln>
+          <a:effectLst/>
+          <a:extLst>
+            <a:ext uri="{91240B29-F687-4F45-9708-019B960494DF}">
+              <a14:hiddenLine xmlns:a14="http://schemas.microsoft.com/office/drawing/2010/main" w="12700" cap="flat" cmpd="sng" algn="ctr">
+                <a:solidFill>
+                  <a:schemeClr val="accent1">
+                    <a:shade val="50000"/>
+                  </a:schemeClr>
+                </a:solidFill>
+                <a:prstDash val="solid"/>
+                <a:miter lim="800000"/>
+              </a14:hiddenLine>
+            </a:ext>
+          </a:extLst>
+        </p:spPr>
+        <p:style>
+          <a:lnRef idx="2">
+            <a:schemeClr val="accent1">
+              <a:shade val="50000"/>
+            </a:schemeClr>
+          </a:lnRef>
+          <a:fillRef idx="1">
+            <a:schemeClr val="accent1"/>
+          </a:fillRef>
+          <a:effectRef idx="0">
+            <a:schemeClr val="accent1"/>
+          </a:effectRef>
+          <a:fontRef idx="minor">
+            <a:schemeClr val="lt1"/>
+          </a:fontRef>
+        </p:style>
+        <p:txBody>
+          <a:bodyPr rtlCol="0" anchor="ctr"/>
+          <a:lstStyle/>
+          <a:p>
+            <a:pPr algn="ctr"/>
+            <a:endParaRPr lang="en-US"/>
+          </a:p>
+        </p:txBody>
+      </p:sp>
+      <p:sp>
+        <p:nvSpPr>
+          <p:cNvPr id="14" name="Rectangle 13">
+            <a:extLst>
+              <a:ext uri="{FF2B5EF4-FFF2-40B4-BE49-F238E27FC236}">
+                <a16:creationId xmlns:a16="http://schemas.microsoft.com/office/drawing/2014/main" id="{F68B3F68-107C-434F-AA38-110D5EA91B85}"/>
+              </a:ext>
+              <a:ext uri="{C183D7F6-B498-43B3-948B-1728B52AA6E4}">
+                <adec:decorative xmlns:adec="http://schemas.microsoft.com/office/drawing/2017/decorative" val="1"/>
+              </a:ext>
+            </a:extLst>
+          </p:cNvPr>
+          <p:cNvSpPr>
+            <a:spLocks noGrp="1" noRot="1" noChangeAspect="1" noMove="1" noResize="1" noEditPoints="1" noAdjustHandles="1" noChangeArrowheads="1" noChangeShapeType="1" noTextEdit="1"/>
+          </p:cNvSpPr>
+          <p:nvPr>
+            <p:extLst>
+              <p:ext uri="{386F3935-93C4-4BCD-93E2-E3B085C9AB24}">
+                <p16:designElem xmlns:p16="http://schemas.microsoft.com/office/powerpoint/2015/main" val="1"/>
+              </p:ext>
+            </p:extLst>
+          </p:nvPr>
+        </p:nvSpPr>
+        <p:spPr>
+          <a:xfrm flipH="1">
+            <a:off x="2" y="0"/>
+            <a:ext cx="12191998" cy="1575955"/>
+          </a:xfrm>
+          <a:prstGeom prst="rect">
+            <a:avLst/>
+          </a:prstGeom>
+          <a:gradFill>
+            <a:gsLst>
+              <a:gs pos="0">
+                <a:srgbClr val="000000">
+                  <a:alpha val="96000"/>
+                </a:srgbClr>
+              </a:gs>
+              <a:gs pos="100000">
+                <a:schemeClr val="accent1">
+                  <a:lumMod val="75000"/>
+                </a:schemeClr>
+              </a:gs>
+            </a:gsLst>
+            <a:lin ang="8400000" scaled="0"/>
+          </a:gradFill>
+          <a:ln>
+            <a:noFill/>
+          </a:ln>
+        </p:spPr>
+        <p:style>
+          <a:lnRef idx="2">
+            <a:schemeClr val="accent1">
+              <a:shade val="50000"/>
+            </a:schemeClr>
+          </a:lnRef>
+          <a:fillRef idx="1">
+            <a:schemeClr val="accent1"/>
+          </a:fillRef>
+          <a:effectRef idx="0">
+            <a:schemeClr val="accent1"/>
+          </a:effectRef>
+          <a:fontRef idx="minor">
+            <a:schemeClr val="lt1"/>
+          </a:fontRef>
+        </p:style>
+        <p:txBody>
+          <a:bodyPr rtlCol="0" anchor="ctr"/>
+          <a:lstStyle/>
+          <a:p>
+            <a:pPr algn="ctr"/>
+            <a:endParaRPr lang="en-US"/>
+          </a:p>
+        </p:txBody>
+      </p:sp>
+      <p:sp>
+        <p:nvSpPr>
+          <p:cNvPr id="16" name="Rectangle 15">
+            <a:extLst>
+              <a:ext uri="{FF2B5EF4-FFF2-40B4-BE49-F238E27FC236}">
+                <a16:creationId xmlns:a16="http://schemas.microsoft.com/office/drawing/2014/main" id="{AAD0DBB9-1A4B-4391-81D4-CB19F9AB918A}"/>
+              </a:ext>
+              <a:ext uri="{C183D7F6-B498-43B3-948B-1728B52AA6E4}">
+                <adec:decorative xmlns:adec="http://schemas.microsoft.com/office/drawing/2017/decorative" val="1"/>
+              </a:ext>
+            </a:extLst>
+          </p:cNvPr>
+          <p:cNvSpPr>
+            <a:spLocks noGrp="1" noRot="1" noChangeAspect="1" noMove="1" noResize="1" noEditPoints="1" noAdjustHandles="1" noChangeArrowheads="1" noChangeShapeType="1" noTextEdit="1"/>
+          </p:cNvSpPr>
+          <p:nvPr>
+            <p:extLst>
+              <p:ext uri="{386F3935-93C4-4BCD-93E2-E3B085C9AB24}">
+                <p16:designElem xmlns:p16="http://schemas.microsoft.com/office/powerpoint/2015/main" val="1"/>
+              </p:ext>
+            </p:extLst>
+          </p:nvPr>
+        </p:nvSpPr>
+        <p:spPr>
+          <a:xfrm rot="10800000" flipH="1">
+            <a:off x="8128857" y="0"/>
+            <a:ext cx="4063143" cy="1576412"/>
+          </a:xfrm>
+          <a:prstGeom prst="rect">
+            <a:avLst/>
+          </a:prstGeom>
+          <a:gradFill>
+            <a:gsLst>
+              <a:gs pos="19000">
+                <a:schemeClr val="accent1">
+                  <a:lumMod val="50000"/>
+                  <a:alpha val="68000"/>
+                </a:schemeClr>
+              </a:gs>
+              <a:gs pos="100000">
+                <a:schemeClr val="accent1">
+                  <a:alpha val="79000"/>
+                </a:schemeClr>
+              </a:gs>
+            </a:gsLst>
+            <a:lin ang="19200000" scaled="0"/>
+          </a:gradFill>
+          <a:ln>
+            <a:noFill/>
+          </a:ln>
+        </p:spPr>
+        <p:style>
+          <a:lnRef idx="2">
+            <a:schemeClr val="accent1">
+              <a:shade val="50000"/>
+            </a:schemeClr>
+          </a:lnRef>
+          <a:fillRef idx="1">
+            <a:schemeClr val="accent1"/>
+          </a:fillRef>
+          <a:effectRef idx="0">
+            <a:schemeClr val="accent1"/>
+          </a:effectRef>
+          <a:fontRef idx="minor">
+            <a:schemeClr val="lt1"/>
+          </a:fontRef>
+        </p:style>
+        <p:txBody>
+          <a:bodyPr rtlCol="0" anchor="ctr"/>
+          <a:lstStyle/>
+          <a:p>
+            <a:pPr algn="ctr"/>
+            <a:endParaRPr lang="en-US"/>
+          </a:p>
+        </p:txBody>
+      </p:sp>
+      <p:sp>
+        <p:nvSpPr>
+          <p:cNvPr id="18" name="Rectangle 17">
+            <a:extLst>
+              <a:ext uri="{FF2B5EF4-FFF2-40B4-BE49-F238E27FC236}">
+                <a16:creationId xmlns:a16="http://schemas.microsoft.com/office/drawing/2014/main" id="{063BBA22-50EA-4C4D-BE05-F1CE4E63AA56}"/>
+              </a:ext>
+              <a:ext uri="{C183D7F6-B498-43B3-948B-1728B52AA6E4}">
+                <adec:decorative xmlns:adec="http://schemas.microsoft.com/office/drawing/2017/decorative" val="1"/>
+              </a:ext>
+            </a:extLst>
+          </p:cNvPr>
+          <p:cNvSpPr>
+            <a:spLocks noGrp="1" noRot="1" noChangeAspect="1" noMove="1" noResize="1" noEditPoints="1" noAdjustHandles="1" noChangeArrowheads="1" noChangeShapeType="1" noTextEdit="1"/>
+          </p:cNvSpPr>
+          <p:nvPr>
+            <p:extLst>
+              <p:ext uri="{386F3935-93C4-4BCD-93E2-E3B085C9AB24}">
+                <p16:designElem xmlns:p16="http://schemas.microsoft.com/office/powerpoint/2015/main" val="1"/>
+              </p:ext>
+            </p:extLst>
+          </p:nvPr>
+        </p:nvSpPr>
+        <p:spPr>
+          <a:xfrm rot="5400000">
+            <a:off x="5307777" y="-5307778"/>
+            <a:ext cx="1576446" cy="12192002"/>
+          </a:xfrm>
+          <a:prstGeom prst="rect">
+            <a:avLst/>
+          </a:prstGeom>
+          <a:gradFill>
+            <a:gsLst>
+              <a:gs pos="23000">
+                <a:schemeClr val="accent1">
+                  <a:alpha val="0"/>
+                </a:schemeClr>
+              </a:gs>
+              <a:gs pos="99000">
+                <a:srgbClr val="000000">
+                  <a:alpha val="74000"/>
+                </a:srgbClr>
+              </a:gs>
+            </a:gsLst>
+            <a:lin ang="20400000" scaled="0"/>
+          </a:gradFill>
+          <a:ln>
+            <a:noFill/>
+          </a:ln>
+        </p:spPr>
+        <p:style>
+          <a:lnRef idx="2">
+            <a:schemeClr val="accent1">
+              <a:shade val="50000"/>
+            </a:schemeClr>
+          </a:lnRef>
+          <a:fillRef idx="1">
+            <a:schemeClr val="accent1"/>
+          </a:fillRef>
+          <a:effectRef idx="0">
+            <a:schemeClr val="accent1"/>
+          </a:effectRef>
+          <a:fontRef idx="minor">
+            <a:schemeClr val="lt1"/>
+          </a:fontRef>
+        </p:style>
+        <p:txBody>
+          <a:bodyPr rtlCol="0" anchor="ctr"/>
+          <a:lstStyle/>
+          <a:p>
+            <a:pPr algn="ctr"/>
+            <a:endParaRPr lang="en-US" dirty="0"/>
+          </a:p>
+        </p:txBody>
+      </p:sp>
+      <p:sp>
+        <p:nvSpPr>
+          <p:cNvPr id="2" name="Title 1">
+            <a:extLst>
+              <a:ext uri="{FF2B5EF4-FFF2-40B4-BE49-F238E27FC236}">
+                <a16:creationId xmlns:a16="http://schemas.microsoft.com/office/drawing/2014/main" id="{78E9A842-121A-2DF1-95E8-EA4FB2926445}"/>
+              </a:ext>
+            </a:extLst>
+          </p:cNvPr>
+          <p:cNvSpPr>
+            <a:spLocks noGrp="1"/>
+          </p:cNvSpPr>
+          <p:nvPr>
+            <p:ph type="title"/>
+          </p:nvPr>
+        </p:nvSpPr>
+        <p:spPr>
+          <a:xfrm>
+            <a:off x="1371597" y="348865"/>
+            <a:ext cx="10044023" cy="877729"/>
+          </a:xfrm>
+        </p:spPr>
+        <p:txBody>
+          <a:bodyPr anchor="ctr">
+            <a:normAutofit/>
+          </a:bodyPr>
+          <a:lstStyle/>
+          <a:p>
+            <a:r>
+              <a:rPr lang="en-GB" sz="4000">
+                <a:solidFill>
+                  <a:srgbClr val="FFFFFF"/>
+                </a:solidFill>
+                <a:latin typeface="Amazon Ember"/>
+              </a:rPr>
+              <a:t>AWS </a:t>
+            </a:r>
+            <a:r>
+              <a:rPr lang="en-GB" sz="4000" b="0" i="0">
+                <a:solidFill>
+                  <a:srgbClr val="FFFFFF"/>
+                </a:solidFill>
+                <a:effectLst/>
+                <a:latin typeface="Amazon Ember"/>
+              </a:rPr>
+              <a:t>Lake Formation terminology</a:t>
+            </a:r>
+            <a:endParaRPr lang="en-CH" sz="4000">
+              <a:solidFill>
+                <a:srgbClr val="FFFFFF"/>
+              </a:solidFill>
+            </a:endParaRPr>
+          </a:p>
+        </p:txBody>
+      </p:sp>
+      <p:sp>
+        <p:nvSpPr>
+          <p:cNvPr id="3" name="Content Placeholder 2">
+            <a:extLst>
+              <a:ext uri="{FF2B5EF4-FFF2-40B4-BE49-F238E27FC236}">
+                <a16:creationId xmlns:a16="http://schemas.microsoft.com/office/drawing/2014/main" id="{C4690575-4A6F-9513-4848-A61F9EBFE405}"/>
+              </a:ext>
+            </a:extLst>
+          </p:cNvPr>
+          <p:cNvSpPr>
+            <a:spLocks noGrp="1"/>
+          </p:cNvSpPr>
+          <p:nvPr>
+            <p:ph idx="1"/>
+          </p:nvPr>
+        </p:nvSpPr>
+        <p:spPr>
+          <a:xfrm>
+            <a:off x="193780" y="2131581"/>
+            <a:ext cx="5341065" cy="4511444"/>
+          </a:xfrm>
+        </p:spPr>
+        <p:txBody>
+          <a:bodyPr>
+            <a:noAutofit/>
+          </a:bodyPr>
+          <a:lstStyle/>
+          <a:p>
+            <a:pPr marL="214884" indent="-214884" defTabSz="859536">
+              <a:spcBef>
+                <a:spcPts val="940"/>
+              </a:spcBef>
+            </a:pPr>
+            <a:r>
+              <a:rPr lang="en-GB" sz="1600" b="1" kern="1200" dirty="0">
+                <a:solidFill>
+                  <a:srgbClr val="16191F"/>
+                </a:solidFill>
+                <a:highlight>
+                  <a:srgbClr val="FFFF00"/>
+                </a:highlight>
+                <a:latin typeface="Amazon Ember"/>
+                <a:ea typeface="+mn-ea"/>
+                <a:cs typeface="+mn-cs"/>
+              </a:rPr>
+              <a:t>Data </a:t>
+            </a:r>
+            <a:r>
+              <a:rPr lang="en-GB" sz="1600" b="1" kern="1200" dirty="0" err="1">
+                <a:solidFill>
+                  <a:srgbClr val="16191F"/>
+                </a:solidFill>
+                <a:highlight>
+                  <a:srgbClr val="FFFF00"/>
+                </a:highlight>
+                <a:latin typeface="Amazon Ember"/>
+                <a:ea typeface="+mn-ea"/>
+                <a:cs typeface="+mn-cs"/>
+              </a:rPr>
+              <a:t>Catalog</a:t>
+            </a:r>
+            <a:endParaRPr lang="en-GB" sz="1600" b="1" kern="1200" dirty="0">
+              <a:solidFill>
+                <a:srgbClr val="16191F"/>
+              </a:solidFill>
+              <a:highlight>
+                <a:srgbClr val="FFFF00"/>
+              </a:highlight>
+              <a:latin typeface="Amazon Ember"/>
+              <a:ea typeface="+mn-ea"/>
+              <a:cs typeface="+mn-cs"/>
+            </a:endParaRPr>
+          </a:p>
+          <a:p>
+            <a:pPr marL="214884" indent="-214884" defTabSz="859536">
+              <a:spcBef>
+                <a:spcPts val="940"/>
+              </a:spcBef>
+            </a:pPr>
+            <a:r>
+              <a:rPr lang="en-GB" sz="1400" kern="1200" dirty="0">
+                <a:solidFill>
+                  <a:srgbClr val="16191F"/>
+                </a:solidFill>
+                <a:latin typeface="Amazon Ember"/>
+                <a:ea typeface="+mn-ea"/>
+                <a:cs typeface="+mn-cs"/>
+              </a:rPr>
+              <a:t>The </a:t>
+            </a:r>
+            <a:r>
+              <a:rPr lang="en-GB" sz="1400" i="1" kern="1200" dirty="0">
+                <a:solidFill>
+                  <a:srgbClr val="16191F"/>
+                </a:solidFill>
+                <a:latin typeface="Amazon Ember"/>
+                <a:ea typeface="+mn-ea"/>
+                <a:cs typeface="+mn-cs"/>
+              </a:rPr>
+              <a:t>Data </a:t>
+            </a:r>
+            <a:r>
+              <a:rPr lang="en-GB" sz="1400" i="1" kern="1200" dirty="0" err="1">
+                <a:solidFill>
+                  <a:srgbClr val="16191F"/>
+                </a:solidFill>
+                <a:latin typeface="Amazon Ember"/>
+                <a:ea typeface="+mn-ea"/>
+                <a:cs typeface="+mn-cs"/>
+              </a:rPr>
+              <a:t>Catalog</a:t>
+            </a:r>
+            <a:r>
+              <a:rPr lang="en-GB" sz="1400" kern="1200" dirty="0">
+                <a:solidFill>
+                  <a:srgbClr val="16191F"/>
+                </a:solidFill>
+                <a:latin typeface="Amazon Ember"/>
+                <a:ea typeface="+mn-ea"/>
+                <a:cs typeface="+mn-cs"/>
+              </a:rPr>
+              <a:t> is your persistent metadata store. </a:t>
+            </a:r>
+          </a:p>
+          <a:p>
+            <a:pPr marL="214884" indent="-214884" defTabSz="859536">
+              <a:spcBef>
+                <a:spcPts val="940"/>
+              </a:spcBef>
+            </a:pPr>
+            <a:r>
+              <a:rPr lang="en-GB" sz="1400" kern="1200" dirty="0">
+                <a:solidFill>
+                  <a:srgbClr val="16191F"/>
+                </a:solidFill>
+                <a:latin typeface="Amazon Ember"/>
+                <a:ea typeface="+mn-ea"/>
+                <a:cs typeface="+mn-cs"/>
+              </a:rPr>
+              <a:t>It is a managed service that lets you store, annotate, and share metadata in the AWS Cloud in the same way you would in an Apache Hive </a:t>
+            </a:r>
+            <a:r>
+              <a:rPr lang="en-GB" sz="1400" kern="1200" dirty="0" err="1">
+                <a:solidFill>
+                  <a:srgbClr val="16191F"/>
+                </a:solidFill>
+                <a:latin typeface="Amazon Ember"/>
+                <a:ea typeface="+mn-ea"/>
+                <a:cs typeface="+mn-cs"/>
+              </a:rPr>
+              <a:t>metastore</a:t>
+            </a:r>
+            <a:r>
+              <a:rPr lang="en-GB" sz="1400" kern="1200" dirty="0">
+                <a:solidFill>
+                  <a:srgbClr val="16191F"/>
+                </a:solidFill>
+                <a:latin typeface="Amazon Ember"/>
+                <a:ea typeface="+mn-ea"/>
+                <a:cs typeface="+mn-cs"/>
+              </a:rPr>
+              <a:t>. </a:t>
+            </a:r>
+          </a:p>
+          <a:p>
+            <a:pPr marL="214884" indent="-214884" defTabSz="859536">
+              <a:spcBef>
+                <a:spcPts val="940"/>
+              </a:spcBef>
+            </a:pPr>
+            <a:r>
+              <a:rPr lang="en-GB" sz="1400" kern="1200" dirty="0">
+                <a:solidFill>
+                  <a:srgbClr val="16191F"/>
+                </a:solidFill>
+                <a:latin typeface="Amazon Ember"/>
+                <a:ea typeface="+mn-ea"/>
+                <a:cs typeface="+mn-cs"/>
+              </a:rPr>
+              <a:t>It provides a uniform repository where disparate systems can store and find metadata to track data in data silos, and then use that metadata to query and transform the data. </a:t>
+            </a:r>
+          </a:p>
+          <a:p>
+            <a:pPr marL="214884" indent="-214884" defTabSz="859536">
+              <a:spcBef>
+                <a:spcPts val="940"/>
+              </a:spcBef>
+            </a:pPr>
+            <a:r>
+              <a:rPr lang="en-GB" sz="1400" kern="1200" dirty="0">
+                <a:solidFill>
+                  <a:srgbClr val="16191F"/>
+                </a:solidFill>
+                <a:latin typeface="Amazon Ember"/>
+                <a:ea typeface="+mn-ea"/>
+                <a:cs typeface="+mn-cs"/>
+              </a:rPr>
+              <a:t>Lake Formation uses the AWS Glue Data </a:t>
+            </a:r>
+            <a:r>
+              <a:rPr lang="en-GB" sz="1400" kern="1200" dirty="0" err="1">
+                <a:solidFill>
+                  <a:srgbClr val="16191F"/>
+                </a:solidFill>
+                <a:latin typeface="Amazon Ember"/>
+                <a:ea typeface="+mn-ea"/>
+                <a:cs typeface="+mn-cs"/>
+              </a:rPr>
+              <a:t>Catalog</a:t>
+            </a:r>
+            <a:r>
+              <a:rPr lang="en-GB" sz="1400" kern="1200" dirty="0">
+                <a:solidFill>
+                  <a:srgbClr val="16191F"/>
+                </a:solidFill>
+                <a:latin typeface="Amazon Ember"/>
+                <a:ea typeface="+mn-ea"/>
+                <a:cs typeface="+mn-cs"/>
+              </a:rPr>
+              <a:t> to store metadata about data lakes, data sources, transforms, and targets.</a:t>
+            </a:r>
+          </a:p>
+          <a:p>
+            <a:pPr marL="214884" indent="-214884" defTabSz="859536">
+              <a:spcBef>
+                <a:spcPts val="940"/>
+              </a:spcBef>
+            </a:pPr>
+            <a:r>
+              <a:rPr lang="en-GB" sz="1400" kern="1200" dirty="0">
+                <a:solidFill>
+                  <a:srgbClr val="16191F"/>
+                </a:solidFill>
+                <a:latin typeface="Amazon Ember"/>
+                <a:ea typeface="+mn-ea"/>
+                <a:cs typeface="+mn-cs"/>
+              </a:rPr>
+              <a:t>Metadata about data sources and targets is in the form of databases and tables. </a:t>
+            </a:r>
+          </a:p>
+          <a:p>
+            <a:pPr marL="214884" indent="-214884" defTabSz="859536">
+              <a:spcBef>
+                <a:spcPts val="940"/>
+              </a:spcBef>
+            </a:pPr>
+            <a:r>
+              <a:rPr lang="en-GB" sz="1400" kern="1200" dirty="0">
+                <a:solidFill>
+                  <a:srgbClr val="16191F"/>
+                </a:solidFill>
+                <a:latin typeface="Amazon Ember"/>
+                <a:ea typeface="+mn-ea"/>
+                <a:cs typeface="+mn-cs"/>
+              </a:rPr>
+              <a:t>Tables store schema information, location information, and more. </a:t>
+            </a:r>
+          </a:p>
+          <a:p>
+            <a:pPr marL="214884" indent="-214884" defTabSz="859536">
+              <a:spcBef>
+                <a:spcPts val="940"/>
+              </a:spcBef>
+            </a:pPr>
+            <a:r>
+              <a:rPr lang="en-GB" sz="1400" kern="1200" dirty="0">
+                <a:solidFill>
+                  <a:srgbClr val="16191F"/>
+                </a:solidFill>
+                <a:latin typeface="Amazon Ember"/>
+                <a:ea typeface="+mn-ea"/>
+                <a:cs typeface="+mn-cs"/>
+              </a:rPr>
+              <a:t>Databases are collections of tables. </a:t>
+            </a:r>
+          </a:p>
+          <a:p>
+            <a:pPr marL="214884" indent="-214884" defTabSz="859536">
+              <a:spcBef>
+                <a:spcPts val="940"/>
+              </a:spcBef>
+            </a:pPr>
+            <a:r>
+              <a:rPr lang="en-GB" sz="1400" kern="1200" dirty="0">
+                <a:solidFill>
+                  <a:srgbClr val="16191F"/>
+                </a:solidFill>
+                <a:latin typeface="Amazon Ember"/>
+                <a:ea typeface="+mn-ea"/>
+                <a:cs typeface="+mn-cs"/>
+              </a:rPr>
+              <a:t>Lake Formation provides a hierarchy of permissions to control access to databases and tables in the Data </a:t>
+            </a:r>
+            <a:r>
+              <a:rPr lang="en-GB" sz="1400" kern="1200" dirty="0" err="1">
+                <a:solidFill>
+                  <a:srgbClr val="16191F"/>
+                </a:solidFill>
+                <a:latin typeface="Amazon Ember"/>
+                <a:ea typeface="+mn-ea"/>
+                <a:cs typeface="+mn-cs"/>
+              </a:rPr>
+              <a:t>Catalog</a:t>
+            </a:r>
+            <a:r>
+              <a:rPr lang="en-GB" sz="1400" kern="1200" dirty="0">
+                <a:solidFill>
+                  <a:srgbClr val="16191F"/>
+                </a:solidFill>
+                <a:latin typeface="Amazon Ember"/>
+                <a:ea typeface="+mn-ea"/>
+                <a:cs typeface="+mn-cs"/>
+              </a:rPr>
+              <a:t>.</a:t>
+            </a:r>
+          </a:p>
+          <a:p>
+            <a:pPr marL="214884" indent="-214884" defTabSz="859536">
+              <a:spcBef>
+                <a:spcPts val="940"/>
+              </a:spcBef>
+            </a:pPr>
+            <a:r>
+              <a:rPr lang="en-GB" sz="1400" kern="1200" dirty="0">
+                <a:solidFill>
+                  <a:srgbClr val="16191F"/>
+                </a:solidFill>
+                <a:latin typeface="Amazon Ember"/>
+                <a:ea typeface="+mn-ea"/>
+                <a:cs typeface="+mn-cs"/>
+              </a:rPr>
+              <a:t>Each AWS account has one Data </a:t>
+            </a:r>
+            <a:r>
+              <a:rPr lang="en-GB" sz="1400" kern="1200" dirty="0" err="1">
+                <a:solidFill>
+                  <a:srgbClr val="16191F"/>
+                </a:solidFill>
+                <a:latin typeface="Amazon Ember"/>
+                <a:ea typeface="+mn-ea"/>
+                <a:cs typeface="+mn-cs"/>
+              </a:rPr>
+              <a:t>Catalog</a:t>
+            </a:r>
+            <a:r>
+              <a:rPr lang="en-GB" sz="1400" kern="1200" dirty="0">
+                <a:solidFill>
+                  <a:srgbClr val="16191F"/>
+                </a:solidFill>
+                <a:latin typeface="Amazon Ember"/>
+                <a:ea typeface="+mn-ea"/>
+                <a:cs typeface="+mn-cs"/>
+              </a:rPr>
+              <a:t> per AWS Region.</a:t>
+            </a:r>
+            <a:br>
+              <a:rPr lang="en-GB" sz="1400" kern="1200" dirty="0">
+                <a:solidFill>
+                  <a:schemeClr val="tx1"/>
+                </a:solidFill>
+                <a:latin typeface="+mn-lt"/>
+                <a:ea typeface="+mn-ea"/>
+                <a:cs typeface="+mn-cs"/>
+              </a:rPr>
+            </a:br>
+            <a:endParaRPr lang="en-GB" sz="1400" b="0" i="0" dirty="0">
+              <a:solidFill>
+                <a:srgbClr val="16191F"/>
+              </a:solidFill>
+              <a:effectLst/>
+              <a:latin typeface="Amazon Ember"/>
+            </a:endParaRPr>
+          </a:p>
+        </p:txBody>
+      </p:sp>
+      <p:sp>
+        <p:nvSpPr>
+          <p:cNvPr id="5" name="TextBox 4">
+            <a:extLst>
+              <a:ext uri="{FF2B5EF4-FFF2-40B4-BE49-F238E27FC236}">
+                <a16:creationId xmlns:a16="http://schemas.microsoft.com/office/drawing/2014/main" id="{BAC704A9-C769-1C54-B652-F0037EFE7E02}"/>
+              </a:ext>
+            </a:extLst>
+          </p:cNvPr>
+          <p:cNvSpPr txBox="1"/>
+          <p:nvPr/>
+        </p:nvSpPr>
+        <p:spPr>
+          <a:xfrm>
+            <a:off x="5838605" y="2209206"/>
+            <a:ext cx="5080873" cy="846386"/>
+          </a:xfrm>
+          <a:prstGeom prst="rect">
+            <a:avLst/>
+          </a:prstGeom>
+          <a:noFill/>
+        </p:spPr>
+        <p:txBody>
+          <a:bodyPr wrap="square">
+            <a:spAutoFit/>
+          </a:bodyPr>
+          <a:lstStyle/>
+          <a:p>
+            <a:pPr defTabSz="859536">
+              <a:spcAft>
+                <a:spcPts val="600"/>
+              </a:spcAft>
+            </a:pPr>
+            <a:r>
+              <a:rPr lang="en-GB" sz="1600" b="1" kern="1200" dirty="0">
+                <a:solidFill>
+                  <a:srgbClr val="16191F"/>
+                </a:solidFill>
+                <a:highlight>
+                  <a:srgbClr val="FFFF00"/>
+                </a:highlight>
+                <a:latin typeface="Amazon Ember"/>
+                <a:ea typeface="+mn-ea"/>
+                <a:cs typeface="+mn-cs"/>
+              </a:rPr>
+              <a:t>Underlying data</a:t>
+            </a:r>
+          </a:p>
+          <a:p>
+            <a:pPr defTabSz="859536">
+              <a:spcAft>
+                <a:spcPts val="600"/>
+              </a:spcAft>
+            </a:pPr>
+            <a:r>
+              <a:rPr lang="en-GB" sz="1400" i="1" kern="1200" dirty="0">
+                <a:solidFill>
+                  <a:srgbClr val="16191F"/>
+                </a:solidFill>
+                <a:latin typeface="Amazon Ember"/>
+                <a:ea typeface="+mn-ea"/>
+                <a:cs typeface="+mn-cs"/>
+              </a:rPr>
+              <a:t>Underlying data</a:t>
+            </a:r>
+            <a:r>
+              <a:rPr lang="en-GB" sz="1400" kern="1200" dirty="0">
+                <a:solidFill>
+                  <a:srgbClr val="16191F"/>
+                </a:solidFill>
+                <a:latin typeface="Amazon Ember"/>
+                <a:ea typeface="+mn-ea"/>
+                <a:cs typeface="+mn-cs"/>
+              </a:rPr>
+              <a:t> refers to the source data or data within the data lakes that Data </a:t>
+            </a:r>
+            <a:r>
+              <a:rPr lang="en-GB" sz="1400" kern="1200" dirty="0" err="1">
+                <a:solidFill>
+                  <a:srgbClr val="16191F"/>
+                </a:solidFill>
+                <a:latin typeface="Amazon Ember"/>
+                <a:ea typeface="+mn-ea"/>
+                <a:cs typeface="+mn-cs"/>
+              </a:rPr>
+              <a:t>Catalog</a:t>
+            </a:r>
+            <a:r>
+              <a:rPr lang="en-GB" sz="1400" kern="1200" dirty="0">
+                <a:solidFill>
+                  <a:srgbClr val="16191F"/>
+                </a:solidFill>
+                <a:latin typeface="Amazon Ember"/>
+                <a:ea typeface="+mn-ea"/>
+                <a:cs typeface="+mn-cs"/>
+              </a:rPr>
+              <a:t> tables point to.</a:t>
+            </a:r>
+            <a:endParaRPr lang="en-CH" sz="1400" dirty="0"/>
+          </a:p>
+        </p:txBody>
+      </p:sp>
+      <p:sp>
+        <p:nvSpPr>
+          <p:cNvPr id="6" name="TextBox 5">
+            <a:extLst>
+              <a:ext uri="{FF2B5EF4-FFF2-40B4-BE49-F238E27FC236}">
+                <a16:creationId xmlns:a16="http://schemas.microsoft.com/office/drawing/2014/main" id="{60F83035-01C5-16F3-AD18-F07B7D2423EF}"/>
+              </a:ext>
+            </a:extLst>
+          </p:cNvPr>
+          <p:cNvSpPr txBox="1"/>
+          <p:nvPr/>
+        </p:nvSpPr>
+        <p:spPr>
+          <a:xfrm>
+            <a:off x="5838605" y="3209094"/>
+            <a:ext cx="5733280" cy="846386"/>
+          </a:xfrm>
+          <a:prstGeom prst="rect">
+            <a:avLst/>
+          </a:prstGeom>
+          <a:noFill/>
+        </p:spPr>
+        <p:txBody>
+          <a:bodyPr wrap="square">
+            <a:spAutoFit/>
+          </a:bodyPr>
+          <a:lstStyle/>
+          <a:p>
+            <a:pPr defTabSz="859536">
+              <a:spcAft>
+                <a:spcPts val="600"/>
+              </a:spcAft>
+            </a:pPr>
+            <a:r>
+              <a:rPr lang="en-GB" sz="1600" b="1" kern="1200" dirty="0">
+                <a:solidFill>
+                  <a:srgbClr val="16191F"/>
+                </a:solidFill>
+                <a:highlight>
+                  <a:srgbClr val="FFFF00"/>
+                </a:highlight>
+                <a:latin typeface="Amazon Ember"/>
+                <a:ea typeface="+mn-ea"/>
+                <a:cs typeface="+mn-cs"/>
+              </a:rPr>
+              <a:t>Principal</a:t>
+            </a:r>
+            <a:endParaRPr lang="en-GB" sz="1400" b="1" kern="1200" dirty="0">
+              <a:solidFill>
+                <a:srgbClr val="16191F"/>
+              </a:solidFill>
+              <a:highlight>
+                <a:srgbClr val="FFFF00"/>
+              </a:highlight>
+              <a:latin typeface="Amazon Ember"/>
+              <a:ea typeface="+mn-ea"/>
+              <a:cs typeface="+mn-cs"/>
+            </a:endParaRPr>
+          </a:p>
+          <a:p>
+            <a:pPr defTabSz="859536">
+              <a:spcAft>
+                <a:spcPts val="600"/>
+              </a:spcAft>
+            </a:pPr>
+            <a:r>
+              <a:rPr lang="en-GB" sz="1400" kern="1200" dirty="0">
+                <a:solidFill>
+                  <a:srgbClr val="16191F"/>
+                </a:solidFill>
+                <a:latin typeface="Amazon Ember"/>
+                <a:ea typeface="+mn-ea"/>
+                <a:cs typeface="+mn-cs"/>
+              </a:rPr>
+              <a:t>A </a:t>
+            </a:r>
+            <a:r>
+              <a:rPr lang="en-GB" sz="1400" i="1" kern="1200" dirty="0">
+                <a:solidFill>
+                  <a:srgbClr val="16191F"/>
+                </a:solidFill>
+                <a:latin typeface="Amazon Ember"/>
+                <a:ea typeface="+mn-ea"/>
+                <a:cs typeface="+mn-cs"/>
+              </a:rPr>
+              <a:t>principal</a:t>
+            </a:r>
+            <a:r>
+              <a:rPr lang="en-GB" sz="1400" kern="1200" dirty="0">
+                <a:solidFill>
+                  <a:srgbClr val="16191F"/>
+                </a:solidFill>
+                <a:latin typeface="Amazon Ember"/>
+                <a:ea typeface="+mn-ea"/>
+                <a:cs typeface="+mn-cs"/>
+              </a:rPr>
+              <a:t> is an AWS Identity and Access Management (IAM) user or role or an Active Directory user.</a:t>
+            </a:r>
+            <a:endParaRPr lang="en-GB" sz="1400" b="0" i="0" dirty="0">
+              <a:solidFill>
+                <a:srgbClr val="16191F"/>
+              </a:solidFill>
+              <a:effectLst/>
+              <a:latin typeface="Amazon Ember"/>
+            </a:endParaRPr>
+          </a:p>
+        </p:txBody>
+      </p:sp>
+      <p:sp>
+        <p:nvSpPr>
+          <p:cNvPr id="7" name="TextBox 6">
+            <a:extLst>
+              <a:ext uri="{FF2B5EF4-FFF2-40B4-BE49-F238E27FC236}">
+                <a16:creationId xmlns:a16="http://schemas.microsoft.com/office/drawing/2014/main" id="{56976F38-498C-2CE6-496D-2BF5F0B92E49}"/>
+              </a:ext>
+            </a:extLst>
+          </p:cNvPr>
+          <p:cNvSpPr txBox="1"/>
+          <p:nvPr/>
+        </p:nvSpPr>
+        <p:spPr>
+          <a:xfrm>
+            <a:off x="5838605" y="4208981"/>
+            <a:ext cx="5733280" cy="1492716"/>
+          </a:xfrm>
+          <a:prstGeom prst="rect">
+            <a:avLst/>
+          </a:prstGeom>
+          <a:noFill/>
+        </p:spPr>
+        <p:txBody>
+          <a:bodyPr wrap="square" rtlCol="0">
+            <a:spAutoFit/>
+          </a:bodyPr>
+          <a:lstStyle/>
+          <a:p>
+            <a:pPr defTabSz="859536">
+              <a:spcAft>
+                <a:spcPts val="600"/>
+              </a:spcAft>
+            </a:pPr>
+            <a:r>
+              <a:rPr lang="en-GB" sz="1600" b="1" kern="1200" dirty="0">
+                <a:solidFill>
+                  <a:schemeClr val="tx1"/>
+                </a:solidFill>
+                <a:highlight>
+                  <a:srgbClr val="FFFF00"/>
+                </a:highlight>
+                <a:latin typeface="+mn-lt"/>
+                <a:ea typeface="+mn-ea"/>
+                <a:cs typeface="+mn-cs"/>
+              </a:rPr>
+              <a:t>Data lake administrator</a:t>
+            </a:r>
+          </a:p>
+          <a:p>
+            <a:pPr defTabSz="859536">
+              <a:spcAft>
+                <a:spcPts val="600"/>
+              </a:spcAft>
+            </a:pPr>
+            <a:r>
+              <a:rPr lang="en-GB" sz="1400" kern="1200" dirty="0">
+                <a:solidFill>
+                  <a:schemeClr val="tx1"/>
+                </a:solidFill>
+                <a:latin typeface="+mn-lt"/>
+                <a:ea typeface="+mn-ea"/>
+                <a:cs typeface="+mn-cs"/>
+              </a:rPr>
+              <a:t>A </a:t>
+            </a:r>
+            <a:r>
+              <a:rPr lang="en-GB" sz="1400" i="1" kern="1200" dirty="0">
+                <a:solidFill>
+                  <a:schemeClr val="tx1"/>
+                </a:solidFill>
+                <a:latin typeface="+mn-lt"/>
+                <a:ea typeface="+mn-ea"/>
+                <a:cs typeface="+mn-cs"/>
+              </a:rPr>
+              <a:t>data lake administrator</a:t>
+            </a:r>
+            <a:r>
+              <a:rPr lang="en-GB" sz="1400" kern="1200" dirty="0">
+                <a:solidFill>
+                  <a:schemeClr val="tx1"/>
+                </a:solidFill>
+                <a:latin typeface="+mn-lt"/>
+                <a:ea typeface="+mn-ea"/>
+                <a:cs typeface="+mn-cs"/>
+              </a:rPr>
+              <a:t> is a principal who can grant any principal (including self) any permission on any Data </a:t>
+            </a:r>
+            <a:r>
+              <a:rPr lang="en-GB" sz="1400" kern="1200" dirty="0" err="1">
+                <a:solidFill>
+                  <a:schemeClr val="tx1"/>
+                </a:solidFill>
+                <a:latin typeface="+mn-lt"/>
+                <a:ea typeface="+mn-ea"/>
+                <a:cs typeface="+mn-cs"/>
+              </a:rPr>
+              <a:t>Catalog</a:t>
+            </a:r>
+            <a:r>
+              <a:rPr lang="en-GB" sz="1400" kern="1200" dirty="0">
+                <a:solidFill>
+                  <a:schemeClr val="tx1"/>
+                </a:solidFill>
+                <a:latin typeface="+mn-lt"/>
+                <a:ea typeface="+mn-ea"/>
+                <a:cs typeface="+mn-cs"/>
+              </a:rPr>
+              <a:t> resource or data location. Designate a data lake administrator as the first user of the Data </a:t>
+            </a:r>
+            <a:r>
+              <a:rPr lang="en-GB" sz="1400" kern="1200" dirty="0" err="1">
+                <a:solidFill>
+                  <a:schemeClr val="tx1"/>
+                </a:solidFill>
+                <a:latin typeface="+mn-lt"/>
+                <a:ea typeface="+mn-ea"/>
+                <a:cs typeface="+mn-cs"/>
+              </a:rPr>
+              <a:t>Catalog</a:t>
+            </a:r>
+            <a:r>
+              <a:rPr lang="en-GB" sz="1400" kern="1200" dirty="0">
+                <a:solidFill>
+                  <a:schemeClr val="tx1"/>
+                </a:solidFill>
+                <a:latin typeface="+mn-lt"/>
+                <a:ea typeface="+mn-ea"/>
+                <a:cs typeface="+mn-cs"/>
+              </a:rPr>
+              <a:t>. This user can then grant more granular permissions of resources to other principals.</a:t>
+            </a:r>
+            <a:endParaRPr lang="en-GB" sz="1400" b="0" dirty="0">
+              <a:effectLst/>
+            </a:endParaRPr>
+          </a:p>
+        </p:txBody>
+      </p:sp>
+    </p:spTree>
+    <p:extLst>
+      <p:ext uri="{BB962C8B-B14F-4D97-AF65-F5344CB8AC3E}">
+        <p14:creationId xmlns:p14="http://schemas.microsoft.com/office/powerpoint/2010/main" val="821245357"/>
+      </p:ext>
+    </p:extLst>
+  </p:cSld>
+  <p:clrMapOvr>
+    <a:masterClrMapping/>
+  </p:clrMapOvr>
+</p:sld>
+</file>
+
+<file path=ppt/slides/slide9.xml><?xml version="1.0" encoding="utf-8"?>
+<p:sld xmlns:a="http://schemas.openxmlformats.org/drawingml/2006/main" xmlns:r="http://schemas.openxmlformats.org/officeDocument/2006/relationships" xmlns:p="http://schemas.openxmlformats.org/presentationml/2006/main">
+  <p:cSld>
+    <p:bg>
+      <p:bgPr>
+        <a:solidFill>
+          <a:schemeClr val="bg1"/>
+        </a:solidFill>
+        <a:effectLst/>
+      </p:bgPr>
+    </p:bg>
+    <p:spTree>
+      <p:nvGrpSpPr>
+        <p:cNvPr id="1" name=""/>
+        <p:cNvGrpSpPr/>
+        <p:nvPr/>
+      </p:nvGrpSpPr>
+      <p:grpSpPr>
+        <a:xfrm>
+          <a:off x="0" y="0"/>
+          <a:ext cx="0" cy="0"/>
+          <a:chOff x="0" y="0"/>
+          <a:chExt cx="0" cy="0"/>
+        </a:xfrm>
+      </p:grpSpPr>
+      <p:sp>
+        <p:nvSpPr>
+          <p:cNvPr id="3089" name="Rectangle 3088">
+            <a:extLst>
+              <a:ext uri="{FF2B5EF4-FFF2-40B4-BE49-F238E27FC236}">
+                <a16:creationId xmlns:a16="http://schemas.microsoft.com/office/drawing/2014/main" id="{A4AC5506-6312-4701-8D3C-40187889A947}"/>
+              </a:ext>
+              <a:ext uri="{C183D7F6-B498-43B3-948B-1728B52AA6E4}">
+                <adec:decorative xmlns:adec="http://schemas.microsoft.com/office/drawing/2017/decorative" val="1"/>
+              </a:ext>
+            </a:extLst>
+          </p:cNvPr>
+          <p:cNvSpPr>
+            <a:spLocks noGrp="1" noRot="1" noChangeAspect="1" noMove="1" noResize="1" noEditPoints="1" noAdjustHandles="1" noChangeArrowheads="1" noChangeShapeType="1" noTextEdit="1"/>
+          </p:cNvSpPr>
+          <p:nvPr>
+            <p:extLst>
+              <p:ext uri="{386F3935-93C4-4BCD-93E2-E3B085C9AB24}">
+                <p16:designElem xmlns:p16="http://schemas.microsoft.com/office/powerpoint/2015/main" val="1"/>
+              </p:ext>
+            </p:extLst>
+          </p:nvPr>
+        </p:nvSpPr>
+        <p:spPr>
+          <a:xfrm>
+            <a:off x="0" y="651752"/>
+            <a:ext cx="12192000" cy="736551"/>
+          </a:xfrm>
+          <a:prstGeom prst="rect">
+            <a:avLst/>
+          </a:prstGeom>
+          <a:solidFill>
+            <a:schemeClr val="tx1"/>
+          </a:solidFill>
+          <a:ln>
+            <a:noFill/>
+          </a:ln>
+        </p:spPr>
+        <p:style>
+          <a:lnRef idx="2">
+            <a:schemeClr val="accent1">
+              <a:shade val="50000"/>
+            </a:schemeClr>
+          </a:lnRef>
+          <a:fillRef idx="1">
+            <a:schemeClr val="accent1"/>
+          </a:fillRef>
+          <a:effectRef idx="0">
+            <a:schemeClr val="accent1"/>
+          </a:effectRef>
+          <a:fontRef idx="minor">
+            <a:schemeClr val="lt1"/>
+          </a:fontRef>
+        </p:style>
+        <p:txBody>
+          <a:bodyPr rtlCol="0" anchor="ctr"/>
+          <a:lstStyle/>
+          <a:p>
+            <a:pPr algn="ctr"/>
+            <a:endParaRPr lang="en-US"/>
+          </a:p>
+        </p:txBody>
+      </p:sp>
+      <p:sp>
+        <p:nvSpPr>
+          <p:cNvPr id="2" name="Title 1">
+            <a:extLst>
+              <a:ext uri="{FF2B5EF4-FFF2-40B4-BE49-F238E27FC236}">
+                <a16:creationId xmlns:a16="http://schemas.microsoft.com/office/drawing/2014/main" id="{79458699-C334-C630-213E-B0858D83A427}"/>
+              </a:ext>
+            </a:extLst>
+          </p:cNvPr>
+          <p:cNvSpPr>
+            <a:spLocks noGrp="1"/>
+          </p:cNvSpPr>
+          <p:nvPr>
+            <p:ph type="title"/>
+          </p:nvPr>
+        </p:nvSpPr>
+        <p:spPr>
+          <a:xfrm>
+            <a:off x="556532" y="643467"/>
+            <a:ext cx="11210925" cy="744836"/>
+          </a:xfrm>
+        </p:spPr>
+        <p:txBody>
+          <a:bodyPr vert="horz" lIns="91440" tIns="45720" rIns="91440" bIns="45720" rtlCol="0" anchor="ctr">
+            <a:normAutofit/>
+          </a:bodyPr>
+          <a:lstStyle/>
+          <a:p>
+            <a:pPr algn="ctr"/>
+            <a:r>
+              <a:rPr lang="en-US" sz="3200" b="1" i="0" kern="1200" dirty="0">
+                <a:solidFill>
+                  <a:schemeClr val="bg1"/>
+                </a:solidFill>
+                <a:effectLst/>
+                <a:latin typeface="+mj-lt"/>
+                <a:ea typeface="+mj-ea"/>
+                <a:cs typeface="+mj-cs"/>
+              </a:rPr>
+              <a:t>Lake Formation permissions management workflow</a:t>
+            </a:r>
+          </a:p>
+        </p:txBody>
+      </p:sp>
+      <p:pic>
+        <p:nvPicPr>
+          <p:cNvPr id="3074" name="Picture 2" descr="A diagram of a person with a search engine&#10;&#10;Description automatically generated with medium confidence">
+            <a:extLst>
+              <a:ext uri="{FF2B5EF4-FFF2-40B4-BE49-F238E27FC236}">
+                <a16:creationId xmlns:a16="http://schemas.microsoft.com/office/drawing/2014/main" id="{A7DFE136-2077-E8DE-354C-A0EF8DD40C5A}"/>
+              </a:ext>
+            </a:extLst>
+          </p:cNvPr>
+          <p:cNvPicPr>
+            <a:picLocks noGrp="1" noChangeAspect="1" noChangeArrowheads="1"/>
+          </p:cNvPicPr>
+          <p:nvPr>
+            <p:ph idx="1"/>
+          </p:nvPr>
+        </p:nvPicPr>
+        <p:blipFill>
+          <a:blip r:embed="rId2">
+            <a:extLst>
+              <a:ext uri="{28A0092B-C50C-407E-A947-70E740481C1C}">
+                <a14:useLocalDpi xmlns:a14="http://schemas.microsoft.com/office/drawing/2010/main" val="0"/>
+              </a:ext>
+            </a:extLst>
+          </a:blip>
+          <a:stretch>
+            <a:fillRect/>
+          </a:stretch>
+        </p:blipFill>
+        <p:spPr bwMode="auto">
+          <a:xfrm>
+            <a:off x="1542425" y="1675227"/>
+            <a:ext cx="9107149" cy="4394199"/>
+          </a:xfrm>
+          <a:prstGeom prst="rect">
+            <a:avLst/>
+          </a:prstGeom>
+          <a:noFill/>
+          <a:extLst>
+            <a:ext uri="{909E8E84-426E-40DD-AFC4-6F175D3DCCD1}">
+              <a14:hiddenFill xmlns:a14="http://schemas.microsoft.com/office/drawing/2010/main">
+                <a:solidFill>
+                  <a:srgbClr val="FFFFFF"/>
+                </a:solidFill>
+              </a14:hiddenFill>
+            </a:ext>
+          </a:extLst>
+        </p:spPr>
+      </p:pic>
+    </p:spTree>
+    <p:extLst>
+      <p:ext uri="{BB962C8B-B14F-4D97-AF65-F5344CB8AC3E}">
+        <p14:creationId xmlns:p14="http://schemas.microsoft.com/office/powerpoint/2010/main" val="367918959"/>
       </p:ext>
     </p:extLst>
   </p:cSld>
